--- a/dbs/数据存储模型.pptx
+++ b/dbs/数据存储模型.pptx
@@ -296,7 +296,7 @@
           <a:p>
             <a:fld id="{530820CF-B880-4189-942D-D702A7CBA730}" type="datetimeFigureOut">
               <a:rPr lang="zh-CN" altLang="en-US" smtClean="0"/>
-              <a:t>2018/5/6</a:t>
+              <a:t>2018/5/22</a:t>
             </a:fld>
             <a:endParaRPr lang="zh-CN" altLang="en-US"/>
           </a:p>
@@ -461,7 +461,7 @@
           <a:p>
             <a:fld id="{530820CF-B880-4189-942D-D702A7CBA730}" type="datetimeFigureOut">
               <a:rPr lang="zh-CN" altLang="en-US" smtClean="0"/>
-              <a:t>2018/5/6</a:t>
+              <a:t>2018/5/22</a:t>
             </a:fld>
             <a:endParaRPr lang="zh-CN" altLang="en-US"/>
           </a:p>
@@ -636,7 +636,7 @@
           <a:p>
             <a:fld id="{530820CF-B880-4189-942D-D702A7CBA730}" type="datetimeFigureOut">
               <a:rPr lang="zh-CN" altLang="en-US" smtClean="0"/>
-              <a:t>2018/5/6</a:t>
+              <a:t>2018/5/22</a:t>
             </a:fld>
             <a:endParaRPr lang="zh-CN" altLang="en-US"/>
           </a:p>
@@ -801,7 +801,7 @@
           <a:p>
             <a:fld id="{530820CF-B880-4189-942D-D702A7CBA730}" type="datetimeFigureOut">
               <a:rPr lang="zh-CN" altLang="en-US" smtClean="0"/>
-              <a:t>2018/5/6</a:t>
+              <a:t>2018/5/22</a:t>
             </a:fld>
             <a:endParaRPr lang="zh-CN" altLang="en-US"/>
           </a:p>
@@ -1042,7 +1042,7 @@
           <a:p>
             <a:fld id="{530820CF-B880-4189-942D-D702A7CBA730}" type="datetimeFigureOut">
               <a:rPr lang="zh-CN" altLang="en-US" smtClean="0"/>
-              <a:t>2018/5/6</a:t>
+              <a:t>2018/5/22</a:t>
             </a:fld>
             <a:endParaRPr lang="zh-CN" altLang="en-US"/>
           </a:p>
@@ -1325,7 +1325,7 @@
           <a:p>
             <a:fld id="{530820CF-B880-4189-942D-D702A7CBA730}" type="datetimeFigureOut">
               <a:rPr lang="zh-CN" altLang="en-US" smtClean="0"/>
-              <a:t>2018/5/6</a:t>
+              <a:t>2018/5/22</a:t>
             </a:fld>
             <a:endParaRPr lang="zh-CN" altLang="en-US"/>
           </a:p>
@@ -1742,7 +1742,7 @@
           <a:p>
             <a:fld id="{530820CF-B880-4189-942D-D702A7CBA730}" type="datetimeFigureOut">
               <a:rPr lang="zh-CN" altLang="en-US" smtClean="0"/>
-              <a:t>2018/5/6</a:t>
+              <a:t>2018/5/22</a:t>
             </a:fld>
             <a:endParaRPr lang="zh-CN" altLang="en-US"/>
           </a:p>
@@ -1855,7 +1855,7 @@
           <a:p>
             <a:fld id="{530820CF-B880-4189-942D-D702A7CBA730}" type="datetimeFigureOut">
               <a:rPr lang="zh-CN" altLang="en-US" smtClean="0"/>
-              <a:t>2018/5/6</a:t>
+              <a:t>2018/5/22</a:t>
             </a:fld>
             <a:endParaRPr lang="zh-CN" altLang="en-US"/>
           </a:p>
@@ -1945,7 +1945,7 @@
           <a:p>
             <a:fld id="{530820CF-B880-4189-942D-D702A7CBA730}" type="datetimeFigureOut">
               <a:rPr lang="zh-CN" altLang="en-US" smtClean="0"/>
-              <a:t>2018/5/6</a:t>
+              <a:t>2018/5/22</a:t>
             </a:fld>
             <a:endParaRPr lang="zh-CN" altLang="en-US"/>
           </a:p>
@@ -2217,7 +2217,7 @@
           <a:p>
             <a:fld id="{530820CF-B880-4189-942D-D702A7CBA730}" type="datetimeFigureOut">
               <a:rPr lang="zh-CN" altLang="en-US" smtClean="0"/>
-              <a:t>2018/5/6</a:t>
+              <a:t>2018/5/22</a:t>
             </a:fld>
             <a:endParaRPr lang="zh-CN" altLang="en-US"/>
           </a:p>
@@ -2465,7 +2465,7 @@
           <a:p>
             <a:fld id="{530820CF-B880-4189-942D-D702A7CBA730}" type="datetimeFigureOut">
               <a:rPr lang="zh-CN" altLang="en-US" smtClean="0"/>
-              <a:t>2018/5/6</a:t>
+              <a:t>2018/5/22</a:t>
             </a:fld>
             <a:endParaRPr lang="zh-CN" altLang="en-US"/>
           </a:p>
@@ -2673,7 +2673,7 @@
           <a:p>
             <a:fld id="{530820CF-B880-4189-942D-D702A7CBA730}" type="datetimeFigureOut">
               <a:rPr lang="zh-CN" altLang="en-US" smtClean="0"/>
-              <a:t>2018/5/6</a:t>
+              <a:t>2018/5/22</a:t>
             </a:fld>
             <a:endParaRPr lang="zh-CN" altLang="en-US"/>
           </a:p>
@@ -6712,6 +6712,881 @@
           <a:chExt cx="0" cy="0"/>
         </a:xfrm>
       </p:grpSpPr>
+      <p:sp>
+        <p:nvSpPr>
+          <p:cNvPr id="2" name="椭圆 1"/>
+          <p:cNvSpPr/>
+          <p:nvPr/>
+        </p:nvSpPr>
+        <p:spPr>
+          <a:xfrm>
+            <a:off x="1691680" y="1501329"/>
+            <a:ext cx="936104" cy="936104"/>
+          </a:xfrm>
+          <a:prstGeom prst="ellipse">
+            <a:avLst/>
+          </a:prstGeom>
+          <a:solidFill>
+            <a:schemeClr val="accent1">
+              <a:lumMod val="20000"/>
+              <a:lumOff val="80000"/>
+            </a:schemeClr>
+          </a:solidFill>
+          <a:ln>
+            <a:noFill/>
+          </a:ln>
+        </p:spPr>
+        <p:style>
+          <a:lnRef idx="2">
+            <a:schemeClr val="accent1">
+              <a:shade val="50000"/>
+            </a:schemeClr>
+          </a:lnRef>
+          <a:fillRef idx="1">
+            <a:schemeClr val="accent1"/>
+          </a:fillRef>
+          <a:effectRef idx="0">
+            <a:schemeClr val="accent1"/>
+          </a:effectRef>
+          <a:fontRef idx="minor">
+            <a:schemeClr val="lt1"/>
+          </a:fontRef>
+        </p:style>
+        <p:txBody>
+          <a:bodyPr rtlCol="0" anchor="ctr"/>
+          <a:lstStyle/>
+          <a:p>
+            <a:pPr algn="ctr"/>
+            <a:r>
+              <a:rPr lang="zh-CN" altLang="en-US" sz="1200" dirty="0" smtClean="0"/>
+              <a:t>麻辣牛肉面</a:t>
+            </a:r>
+            <a:endParaRPr lang="zh-CN" altLang="en-US" sz="1200" dirty="0"/>
+          </a:p>
+        </p:txBody>
+      </p:sp>
+      <p:sp>
+        <p:nvSpPr>
+          <p:cNvPr id="3" name="椭圆 2"/>
+          <p:cNvSpPr/>
+          <p:nvPr/>
+        </p:nvSpPr>
+        <p:spPr>
+          <a:xfrm>
+            <a:off x="2665240" y="1075853"/>
+            <a:ext cx="936104" cy="936104"/>
+          </a:xfrm>
+          <a:prstGeom prst="ellipse">
+            <a:avLst/>
+          </a:prstGeom>
+          <a:solidFill>
+            <a:schemeClr val="accent1">
+              <a:lumMod val="20000"/>
+              <a:lumOff val="80000"/>
+            </a:schemeClr>
+          </a:solidFill>
+          <a:ln>
+            <a:noFill/>
+          </a:ln>
+        </p:spPr>
+        <p:style>
+          <a:lnRef idx="2">
+            <a:schemeClr val="accent1">
+              <a:shade val="50000"/>
+            </a:schemeClr>
+          </a:lnRef>
+          <a:fillRef idx="1">
+            <a:schemeClr val="accent1"/>
+          </a:fillRef>
+          <a:effectRef idx="0">
+            <a:schemeClr val="accent1"/>
+          </a:effectRef>
+          <a:fontRef idx="minor">
+            <a:schemeClr val="lt1"/>
+          </a:fontRef>
+        </p:style>
+        <p:txBody>
+          <a:bodyPr rtlCol="0" anchor="ctr"/>
+          <a:lstStyle/>
+          <a:p>
+            <a:pPr algn="ctr"/>
+            <a:r>
+              <a:rPr lang="zh-CN" altLang="en-US" sz="1200" dirty="0" smtClean="0"/>
+              <a:t>麻辣羊肉面</a:t>
+            </a:r>
+            <a:endParaRPr lang="zh-CN" altLang="en-US" sz="1200" dirty="0"/>
+          </a:p>
+        </p:txBody>
+      </p:sp>
+      <p:sp>
+        <p:nvSpPr>
+          <p:cNvPr id="4" name="椭圆 3"/>
+          <p:cNvSpPr/>
+          <p:nvPr/>
+        </p:nvSpPr>
+        <p:spPr>
+          <a:xfrm>
+            <a:off x="3672102" y="1196752"/>
+            <a:ext cx="936104" cy="936104"/>
+          </a:xfrm>
+          <a:prstGeom prst="ellipse">
+            <a:avLst/>
+          </a:prstGeom>
+          <a:solidFill>
+            <a:schemeClr val="accent1">
+              <a:lumMod val="20000"/>
+              <a:lumOff val="80000"/>
+            </a:schemeClr>
+          </a:solidFill>
+          <a:ln>
+            <a:noFill/>
+          </a:ln>
+        </p:spPr>
+        <p:style>
+          <a:lnRef idx="2">
+            <a:schemeClr val="accent1">
+              <a:shade val="50000"/>
+            </a:schemeClr>
+          </a:lnRef>
+          <a:fillRef idx="1">
+            <a:schemeClr val="accent1"/>
+          </a:fillRef>
+          <a:effectRef idx="0">
+            <a:schemeClr val="accent1"/>
+          </a:effectRef>
+          <a:fontRef idx="minor">
+            <a:schemeClr val="lt1"/>
+          </a:fontRef>
+        </p:style>
+        <p:txBody>
+          <a:bodyPr rtlCol="0" anchor="ctr"/>
+          <a:lstStyle/>
+          <a:p>
+            <a:pPr algn="ctr"/>
+            <a:r>
+              <a:rPr lang="zh-CN" altLang="en-US" sz="1200" dirty="0" smtClean="0"/>
+              <a:t>麻辣虾肉面</a:t>
+            </a:r>
+            <a:endParaRPr lang="zh-CN" altLang="en-US" sz="1200" dirty="0"/>
+          </a:p>
+        </p:txBody>
+      </p:sp>
+      <p:sp>
+        <p:nvSpPr>
+          <p:cNvPr id="5" name="椭圆 4"/>
+          <p:cNvSpPr/>
+          <p:nvPr/>
+        </p:nvSpPr>
+        <p:spPr>
+          <a:xfrm>
+            <a:off x="4608206" y="1593565"/>
+            <a:ext cx="936104" cy="936104"/>
+          </a:xfrm>
+          <a:prstGeom prst="ellipse">
+            <a:avLst/>
+          </a:prstGeom>
+          <a:solidFill>
+            <a:schemeClr val="accent1">
+              <a:lumMod val="20000"/>
+              <a:lumOff val="80000"/>
+            </a:schemeClr>
+          </a:solidFill>
+          <a:ln>
+            <a:noFill/>
+          </a:ln>
+        </p:spPr>
+        <p:style>
+          <a:lnRef idx="2">
+            <a:schemeClr val="accent1">
+              <a:shade val="50000"/>
+            </a:schemeClr>
+          </a:lnRef>
+          <a:fillRef idx="1">
+            <a:schemeClr val="accent1"/>
+          </a:fillRef>
+          <a:effectRef idx="0">
+            <a:schemeClr val="accent1"/>
+          </a:effectRef>
+          <a:fontRef idx="minor">
+            <a:schemeClr val="lt1"/>
+          </a:fontRef>
+        </p:style>
+        <p:txBody>
+          <a:bodyPr rtlCol="0" anchor="ctr"/>
+          <a:lstStyle/>
+          <a:p>
+            <a:pPr algn="ctr"/>
+            <a:r>
+              <a:rPr lang="zh-CN" altLang="en-US" sz="1200" dirty="0" smtClean="0"/>
+              <a:t>西红柿牛腩面</a:t>
+            </a:r>
+            <a:endParaRPr lang="zh-CN" altLang="en-US" sz="1200" dirty="0"/>
+          </a:p>
+        </p:txBody>
+      </p:sp>
+      <p:sp>
+        <p:nvSpPr>
+          <p:cNvPr id="6" name="椭圆 5"/>
+          <p:cNvSpPr/>
+          <p:nvPr/>
+        </p:nvSpPr>
+        <p:spPr>
+          <a:xfrm>
+            <a:off x="1547664" y="2797865"/>
+            <a:ext cx="720080" cy="684076"/>
+          </a:xfrm>
+          <a:prstGeom prst="ellipse">
+            <a:avLst/>
+          </a:prstGeom>
+          <a:solidFill>
+            <a:schemeClr val="accent2">
+              <a:lumMod val="20000"/>
+              <a:lumOff val="80000"/>
+            </a:schemeClr>
+          </a:solidFill>
+          <a:ln>
+            <a:noFill/>
+          </a:ln>
+        </p:spPr>
+        <p:style>
+          <a:lnRef idx="2">
+            <a:schemeClr val="accent1">
+              <a:shade val="50000"/>
+            </a:schemeClr>
+          </a:lnRef>
+          <a:fillRef idx="1">
+            <a:schemeClr val="accent1"/>
+          </a:fillRef>
+          <a:effectRef idx="0">
+            <a:schemeClr val="accent1"/>
+          </a:effectRef>
+          <a:fontRef idx="minor">
+            <a:schemeClr val="lt1"/>
+          </a:fontRef>
+        </p:style>
+        <p:txBody>
+          <a:bodyPr rtlCol="0" anchor="ctr"/>
+          <a:lstStyle/>
+          <a:p>
+            <a:pPr algn="ctr"/>
+            <a:r>
+              <a:rPr lang="zh-CN" altLang="en-US" sz="1100" dirty="0" smtClean="0"/>
+              <a:t>用户</a:t>
+            </a:r>
+            <a:r>
+              <a:rPr lang="en-US" altLang="zh-CN" sz="1100" dirty="0"/>
+              <a:t>1</a:t>
+            </a:r>
+            <a:endParaRPr lang="zh-CN" altLang="en-US" sz="1100" dirty="0"/>
+          </a:p>
+        </p:txBody>
+      </p:sp>
+      <p:sp>
+        <p:nvSpPr>
+          <p:cNvPr id="7" name="椭圆 6"/>
+          <p:cNvSpPr/>
+          <p:nvPr/>
+        </p:nvSpPr>
+        <p:spPr>
+          <a:xfrm>
+            <a:off x="2332232" y="3086164"/>
+            <a:ext cx="720080" cy="684076"/>
+          </a:xfrm>
+          <a:prstGeom prst="ellipse">
+            <a:avLst/>
+          </a:prstGeom>
+          <a:solidFill>
+            <a:schemeClr val="accent2">
+              <a:lumMod val="20000"/>
+              <a:lumOff val="80000"/>
+            </a:schemeClr>
+          </a:solidFill>
+          <a:ln>
+            <a:noFill/>
+          </a:ln>
+        </p:spPr>
+        <p:style>
+          <a:lnRef idx="2">
+            <a:schemeClr val="accent1">
+              <a:shade val="50000"/>
+            </a:schemeClr>
+          </a:lnRef>
+          <a:fillRef idx="1">
+            <a:schemeClr val="accent1"/>
+          </a:fillRef>
+          <a:effectRef idx="0">
+            <a:schemeClr val="accent1"/>
+          </a:effectRef>
+          <a:fontRef idx="minor">
+            <a:schemeClr val="lt1"/>
+          </a:fontRef>
+        </p:style>
+        <p:txBody>
+          <a:bodyPr rtlCol="0" anchor="ctr"/>
+          <a:lstStyle/>
+          <a:p>
+            <a:pPr algn="ctr"/>
+            <a:r>
+              <a:rPr lang="zh-CN" altLang="en-US" sz="1100" dirty="0" smtClean="0"/>
+              <a:t>用户</a:t>
+            </a:r>
+            <a:r>
+              <a:rPr lang="en-US" altLang="zh-CN" sz="1100" dirty="0" smtClean="0"/>
+              <a:t>2</a:t>
+            </a:r>
+            <a:endParaRPr lang="zh-CN" altLang="en-US" sz="1100" dirty="0"/>
+          </a:p>
+        </p:txBody>
+      </p:sp>
+      <p:sp>
+        <p:nvSpPr>
+          <p:cNvPr id="8" name="椭圆 7"/>
+          <p:cNvSpPr/>
+          <p:nvPr/>
+        </p:nvSpPr>
+        <p:spPr>
+          <a:xfrm>
+            <a:off x="3168249" y="3138531"/>
+            <a:ext cx="720080" cy="684076"/>
+          </a:xfrm>
+          <a:prstGeom prst="ellipse">
+            <a:avLst/>
+          </a:prstGeom>
+          <a:solidFill>
+            <a:schemeClr val="accent2">
+              <a:lumMod val="20000"/>
+              <a:lumOff val="80000"/>
+            </a:schemeClr>
+          </a:solidFill>
+          <a:ln>
+            <a:noFill/>
+          </a:ln>
+        </p:spPr>
+        <p:style>
+          <a:lnRef idx="2">
+            <a:schemeClr val="accent1">
+              <a:shade val="50000"/>
+            </a:schemeClr>
+          </a:lnRef>
+          <a:fillRef idx="1">
+            <a:schemeClr val="accent1"/>
+          </a:fillRef>
+          <a:effectRef idx="0">
+            <a:schemeClr val="accent1"/>
+          </a:effectRef>
+          <a:fontRef idx="minor">
+            <a:schemeClr val="lt1"/>
+          </a:fontRef>
+        </p:style>
+        <p:txBody>
+          <a:bodyPr rtlCol="0" anchor="ctr"/>
+          <a:lstStyle/>
+          <a:p>
+            <a:pPr algn="ctr"/>
+            <a:r>
+              <a:rPr lang="zh-CN" altLang="en-US" sz="1100" dirty="0" smtClean="0"/>
+              <a:t>用户</a:t>
+            </a:r>
+            <a:r>
+              <a:rPr lang="en-US" altLang="zh-CN" sz="1100" dirty="0" smtClean="0"/>
+              <a:t>3</a:t>
+            </a:r>
+            <a:endParaRPr lang="zh-CN" altLang="en-US" sz="1100" dirty="0"/>
+          </a:p>
+        </p:txBody>
+      </p:sp>
+      <p:sp>
+        <p:nvSpPr>
+          <p:cNvPr id="9" name="椭圆 8"/>
+          <p:cNvSpPr/>
+          <p:nvPr/>
+        </p:nvSpPr>
+        <p:spPr>
+          <a:xfrm>
+            <a:off x="4026165" y="3138531"/>
+            <a:ext cx="720080" cy="684076"/>
+          </a:xfrm>
+          <a:prstGeom prst="ellipse">
+            <a:avLst/>
+          </a:prstGeom>
+          <a:solidFill>
+            <a:schemeClr val="accent2">
+              <a:lumMod val="20000"/>
+              <a:lumOff val="80000"/>
+            </a:schemeClr>
+          </a:solidFill>
+          <a:ln>
+            <a:noFill/>
+          </a:ln>
+        </p:spPr>
+        <p:style>
+          <a:lnRef idx="2">
+            <a:schemeClr val="accent1">
+              <a:shade val="50000"/>
+            </a:schemeClr>
+          </a:lnRef>
+          <a:fillRef idx="1">
+            <a:schemeClr val="accent1"/>
+          </a:fillRef>
+          <a:effectRef idx="0">
+            <a:schemeClr val="accent1"/>
+          </a:effectRef>
+          <a:fontRef idx="minor">
+            <a:schemeClr val="lt1"/>
+          </a:fontRef>
+        </p:style>
+        <p:txBody>
+          <a:bodyPr rtlCol="0" anchor="ctr"/>
+          <a:lstStyle/>
+          <a:p>
+            <a:pPr algn="ctr"/>
+            <a:r>
+              <a:rPr lang="zh-CN" altLang="en-US" sz="1100" dirty="0" smtClean="0"/>
+              <a:t>用户</a:t>
+            </a:r>
+            <a:r>
+              <a:rPr lang="en-US" altLang="zh-CN" sz="1100" dirty="0" smtClean="0"/>
+              <a:t>4</a:t>
+            </a:r>
+            <a:endParaRPr lang="zh-CN" altLang="en-US" sz="1100" dirty="0"/>
+          </a:p>
+        </p:txBody>
+      </p:sp>
+      <p:sp>
+        <p:nvSpPr>
+          <p:cNvPr id="10" name="椭圆 9"/>
+          <p:cNvSpPr/>
+          <p:nvPr/>
+        </p:nvSpPr>
+        <p:spPr>
+          <a:xfrm>
+            <a:off x="4746245" y="2926483"/>
+            <a:ext cx="720080" cy="684076"/>
+          </a:xfrm>
+          <a:prstGeom prst="ellipse">
+            <a:avLst/>
+          </a:prstGeom>
+          <a:solidFill>
+            <a:schemeClr val="accent2">
+              <a:lumMod val="20000"/>
+              <a:lumOff val="80000"/>
+            </a:schemeClr>
+          </a:solidFill>
+          <a:ln>
+            <a:noFill/>
+          </a:ln>
+        </p:spPr>
+        <p:style>
+          <a:lnRef idx="2">
+            <a:schemeClr val="accent1">
+              <a:shade val="50000"/>
+            </a:schemeClr>
+          </a:lnRef>
+          <a:fillRef idx="1">
+            <a:schemeClr val="accent1"/>
+          </a:fillRef>
+          <a:effectRef idx="0">
+            <a:schemeClr val="accent1"/>
+          </a:effectRef>
+          <a:fontRef idx="minor">
+            <a:schemeClr val="lt1"/>
+          </a:fontRef>
+        </p:style>
+        <p:txBody>
+          <a:bodyPr rtlCol="0" anchor="ctr"/>
+          <a:lstStyle/>
+          <a:p>
+            <a:pPr algn="ctr"/>
+            <a:r>
+              <a:rPr lang="zh-CN" altLang="en-US" sz="1100" dirty="0" smtClean="0"/>
+              <a:t>用户</a:t>
+            </a:r>
+            <a:r>
+              <a:rPr lang="en-US" altLang="zh-CN" sz="1100" dirty="0" smtClean="0"/>
+              <a:t>5</a:t>
+            </a:r>
+            <a:endParaRPr lang="zh-CN" altLang="en-US" sz="1100" dirty="0"/>
+          </a:p>
+        </p:txBody>
+      </p:sp>
+      <p:cxnSp>
+        <p:nvCxnSpPr>
+          <p:cNvPr id="20" name="直接箭头连接符 19"/>
+          <p:cNvCxnSpPr>
+            <a:stCxn id="2" idx="4"/>
+            <a:endCxn id="6" idx="0"/>
+          </p:cNvCxnSpPr>
+          <p:nvPr/>
+        </p:nvCxnSpPr>
+        <p:spPr>
+          <a:xfrm flipH="1">
+            <a:off x="1907704" y="2437433"/>
+            <a:ext cx="252028" cy="360432"/>
+          </a:xfrm>
+          <a:prstGeom prst="straightConnector1">
+            <a:avLst/>
+          </a:prstGeom>
+          <a:ln>
+            <a:tailEnd type="arrow"/>
+          </a:ln>
+        </p:spPr>
+        <p:style>
+          <a:lnRef idx="1">
+            <a:schemeClr val="accent1"/>
+          </a:lnRef>
+          <a:fillRef idx="0">
+            <a:schemeClr val="accent1"/>
+          </a:fillRef>
+          <a:effectRef idx="0">
+            <a:schemeClr val="accent1"/>
+          </a:effectRef>
+          <a:fontRef idx="minor">
+            <a:schemeClr val="tx1"/>
+          </a:fontRef>
+        </p:style>
+      </p:cxnSp>
+      <p:cxnSp>
+        <p:nvCxnSpPr>
+          <p:cNvPr id="22" name="直接箭头连接符 21"/>
+          <p:cNvCxnSpPr>
+            <a:stCxn id="2" idx="4"/>
+            <a:endCxn id="7" idx="0"/>
+          </p:cNvCxnSpPr>
+          <p:nvPr/>
+        </p:nvCxnSpPr>
+        <p:spPr>
+          <a:xfrm>
+            <a:off x="2159732" y="2437433"/>
+            <a:ext cx="532540" cy="648731"/>
+          </a:xfrm>
+          <a:prstGeom prst="straightConnector1">
+            <a:avLst/>
+          </a:prstGeom>
+          <a:ln>
+            <a:tailEnd type="arrow"/>
+          </a:ln>
+        </p:spPr>
+        <p:style>
+          <a:lnRef idx="1">
+            <a:schemeClr val="accent1"/>
+          </a:lnRef>
+          <a:fillRef idx="0">
+            <a:schemeClr val="accent1"/>
+          </a:fillRef>
+          <a:effectRef idx="0">
+            <a:schemeClr val="accent1"/>
+          </a:effectRef>
+          <a:fontRef idx="minor">
+            <a:schemeClr val="tx1"/>
+          </a:fontRef>
+        </p:style>
+      </p:cxnSp>
+      <p:cxnSp>
+        <p:nvCxnSpPr>
+          <p:cNvPr id="24" name="直接箭头连接符 23"/>
+          <p:cNvCxnSpPr>
+            <a:stCxn id="2" idx="4"/>
+            <a:endCxn id="8" idx="0"/>
+          </p:cNvCxnSpPr>
+          <p:nvPr/>
+        </p:nvCxnSpPr>
+        <p:spPr>
+          <a:xfrm>
+            <a:off x="2159732" y="2437433"/>
+            <a:ext cx="1368557" cy="701098"/>
+          </a:xfrm>
+          <a:prstGeom prst="straightConnector1">
+            <a:avLst/>
+          </a:prstGeom>
+          <a:ln>
+            <a:tailEnd type="arrow"/>
+          </a:ln>
+        </p:spPr>
+        <p:style>
+          <a:lnRef idx="1">
+            <a:schemeClr val="accent1"/>
+          </a:lnRef>
+          <a:fillRef idx="0">
+            <a:schemeClr val="accent1"/>
+          </a:fillRef>
+          <a:effectRef idx="0">
+            <a:schemeClr val="accent1"/>
+          </a:effectRef>
+          <a:fontRef idx="minor">
+            <a:schemeClr val="tx1"/>
+          </a:fontRef>
+        </p:style>
+      </p:cxnSp>
+      <p:cxnSp>
+        <p:nvCxnSpPr>
+          <p:cNvPr id="26" name="直接箭头连接符 25"/>
+          <p:cNvCxnSpPr>
+            <a:stCxn id="2" idx="4"/>
+            <a:endCxn id="10" idx="0"/>
+          </p:cNvCxnSpPr>
+          <p:nvPr/>
+        </p:nvCxnSpPr>
+        <p:spPr>
+          <a:xfrm>
+            <a:off x="2159732" y="2437433"/>
+            <a:ext cx="2946553" cy="489050"/>
+          </a:xfrm>
+          <a:prstGeom prst="straightConnector1">
+            <a:avLst/>
+          </a:prstGeom>
+          <a:ln>
+            <a:tailEnd type="arrow"/>
+          </a:ln>
+        </p:spPr>
+        <p:style>
+          <a:lnRef idx="1">
+            <a:schemeClr val="accent1"/>
+          </a:lnRef>
+          <a:fillRef idx="0">
+            <a:schemeClr val="accent1"/>
+          </a:fillRef>
+          <a:effectRef idx="0">
+            <a:schemeClr val="accent1"/>
+          </a:effectRef>
+          <a:fontRef idx="minor">
+            <a:schemeClr val="tx1"/>
+          </a:fontRef>
+        </p:style>
+      </p:cxnSp>
+      <p:cxnSp>
+        <p:nvCxnSpPr>
+          <p:cNvPr id="28" name="直接箭头连接符 27"/>
+          <p:cNvCxnSpPr>
+            <a:stCxn id="3" idx="4"/>
+            <a:endCxn id="7" idx="0"/>
+          </p:cNvCxnSpPr>
+          <p:nvPr/>
+        </p:nvCxnSpPr>
+        <p:spPr>
+          <a:xfrm flipH="1">
+            <a:off x="2692272" y="2011957"/>
+            <a:ext cx="441020" cy="1074207"/>
+          </a:xfrm>
+          <a:prstGeom prst="straightConnector1">
+            <a:avLst/>
+          </a:prstGeom>
+          <a:ln>
+            <a:tailEnd type="arrow"/>
+          </a:ln>
+        </p:spPr>
+        <p:style>
+          <a:lnRef idx="1">
+            <a:schemeClr val="accent1"/>
+          </a:lnRef>
+          <a:fillRef idx="0">
+            <a:schemeClr val="accent1"/>
+          </a:fillRef>
+          <a:effectRef idx="0">
+            <a:schemeClr val="accent1"/>
+          </a:effectRef>
+          <a:fontRef idx="minor">
+            <a:schemeClr val="tx1"/>
+          </a:fontRef>
+        </p:style>
+      </p:cxnSp>
+      <p:cxnSp>
+        <p:nvCxnSpPr>
+          <p:cNvPr id="30" name="直接箭头连接符 29"/>
+          <p:cNvCxnSpPr>
+            <a:stCxn id="3" idx="4"/>
+            <a:endCxn id="8" idx="0"/>
+          </p:cNvCxnSpPr>
+          <p:nvPr/>
+        </p:nvCxnSpPr>
+        <p:spPr>
+          <a:xfrm>
+            <a:off x="3133292" y="2011957"/>
+            <a:ext cx="394997" cy="1126574"/>
+          </a:xfrm>
+          <a:prstGeom prst="straightConnector1">
+            <a:avLst/>
+          </a:prstGeom>
+          <a:ln>
+            <a:tailEnd type="arrow"/>
+          </a:ln>
+        </p:spPr>
+        <p:style>
+          <a:lnRef idx="1">
+            <a:schemeClr val="accent1"/>
+          </a:lnRef>
+          <a:fillRef idx="0">
+            <a:schemeClr val="accent1"/>
+          </a:fillRef>
+          <a:effectRef idx="0">
+            <a:schemeClr val="accent1"/>
+          </a:effectRef>
+          <a:fontRef idx="minor">
+            <a:schemeClr val="tx1"/>
+          </a:fontRef>
+        </p:style>
+      </p:cxnSp>
+      <p:cxnSp>
+        <p:nvCxnSpPr>
+          <p:cNvPr id="32" name="直接箭头连接符 31"/>
+          <p:cNvCxnSpPr>
+            <a:stCxn id="4" idx="4"/>
+            <a:endCxn id="10" idx="0"/>
+          </p:cNvCxnSpPr>
+          <p:nvPr/>
+        </p:nvCxnSpPr>
+        <p:spPr>
+          <a:xfrm>
+            <a:off x="4140154" y="2132856"/>
+            <a:ext cx="966131" cy="793627"/>
+          </a:xfrm>
+          <a:prstGeom prst="straightConnector1">
+            <a:avLst/>
+          </a:prstGeom>
+          <a:ln>
+            <a:tailEnd type="arrow"/>
+          </a:ln>
+        </p:spPr>
+        <p:style>
+          <a:lnRef idx="1">
+            <a:schemeClr val="accent1"/>
+          </a:lnRef>
+          <a:fillRef idx="0">
+            <a:schemeClr val="accent1"/>
+          </a:fillRef>
+          <a:effectRef idx="0">
+            <a:schemeClr val="accent1"/>
+          </a:effectRef>
+          <a:fontRef idx="minor">
+            <a:schemeClr val="tx1"/>
+          </a:fontRef>
+        </p:style>
+      </p:cxnSp>
+      <p:cxnSp>
+        <p:nvCxnSpPr>
+          <p:cNvPr id="34" name="直接箭头连接符 33"/>
+          <p:cNvCxnSpPr>
+            <a:stCxn id="5" idx="4"/>
+            <a:endCxn id="9" idx="0"/>
+          </p:cNvCxnSpPr>
+          <p:nvPr/>
+        </p:nvCxnSpPr>
+        <p:spPr>
+          <a:xfrm flipH="1">
+            <a:off x="4386205" y="2529669"/>
+            <a:ext cx="690053" cy="608862"/>
+          </a:xfrm>
+          <a:prstGeom prst="straightConnector1">
+            <a:avLst/>
+          </a:prstGeom>
+          <a:ln>
+            <a:solidFill>
+              <a:schemeClr val="accent3">
+                <a:lumMod val="60000"/>
+                <a:lumOff val="40000"/>
+              </a:schemeClr>
+            </a:solidFill>
+            <a:tailEnd type="arrow"/>
+          </a:ln>
+        </p:spPr>
+        <p:style>
+          <a:lnRef idx="1">
+            <a:schemeClr val="accent1"/>
+          </a:lnRef>
+          <a:fillRef idx="0">
+            <a:schemeClr val="accent1"/>
+          </a:fillRef>
+          <a:effectRef idx="0">
+            <a:schemeClr val="accent1"/>
+          </a:effectRef>
+          <a:fontRef idx="minor">
+            <a:schemeClr val="tx1"/>
+          </a:fontRef>
+        </p:style>
+      </p:cxnSp>
+      <p:cxnSp>
+        <p:nvCxnSpPr>
+          <p:cNvPr id="36" name="直接箭头连接符 35"/>
+          <p:cNvCxnSpPr>
+            <a:stCxn id="5" idx="4"/>
+            <a:endCxn id="10" idx="0"/>
+          </p:cNvCxnSpPr>
+          <p:nvPr/>
+        </p:nvCxnSpPr>
+        <p:spPr>
+          <a:xfrm>
+            <a:off x="5076258" y="2529669"/>
+            <a:ext cx="30027" cy="396814"/>
+          </a:xfrm>
+          <a:prstGeom prst="straightConnector1">
+            <a:avLst/>
+          </a:prstGeom>
+          <a:ln>
+            <a:solidFill>
+              <a:schemeClr val="accent3">
+                <a:lumMod val="60000"/>
+                <a:lumOff val="40000"/>
+              </a:schemeClr>
+            </a:solidFill>
+            <a:tailEnd type="arrow"/>
+          </a:ln>
+        </p:spPr>
+        <p:style>
+          <a:lnRef idx="1">
+            <a:schemeClr val="accent1"/>
+          </a:lnRef>
+          <a:fillRef idx="0">
+            <a:schemeClr val="accent1"/>
+          </a:fillRef>
+          <a:effectRef idx="0">
+            <a:schemeClr val="accent1"/>
+          </a:effectRef>
+          <a:fontRef idx="minor">
+            <a:schemeClr val="tx1"/>
+          </a:fontRef>
+        </p:style>
+      </p:cxnSp>
+      <p:cxnSp>
+        <p:nvCxnSpPr>
+          <p:cNvPr id="38" name="直接箭头连接符 37"/>
+          <p:cNvCxnSpPr>
+            <a:stCxn id="5" idx="4"/>
+            <a:endCxn id="8" idx="0"/>
+          </p:cNvCxnSpPr>
+          <p:nvPr/>
+        </p:nvCxnSpPr>
+        <p:spPr>
+          <a:xfrm flipH="1">
+            <a:off x="3528289" y="2529669"/>
+            <a:ext cx="1547969" cy="608862"/>
+          </a:xfrm>
+          <a:prstGeom prst="straightConnector1">
+            <a:avLst/>
+          </a:prstGeom>
+          <a:ln>
+            <a:solidFill>
+              <a:schemeClr val="accent3">
+                <a:lumMod val="60000"/>
+                <a:lumOff val="40000"/>
+              </a:schemeClr>
+            </a:solidFill>
+            <a:tailEnd type="arrow"/>
+          </a:ln>
+        </p:spPr>
+        <p:style>
+          <a:lnRef idx="1">
+            <a:schemeClr val="accent1"/>
+          </a:lnRef>
+          <a:fillRef idx="0">
+            <a:schemeClr val="accent1"/>
+          </a:fillRef>
+          <a:effectRef idx="0">
+            <a:schemeClr val="accent1"/>
+          </a:effectRef>
+          <a:fontRef idx="minor">
+            <a:schemeClr val="tx1"/>
+          </a:fontRef>
+        </p:style>
+      </p:cxnSp>
     </p:spTree>
     <p:extLst>
       <p:ext uri="{BB962C8B-B14F-4D97-AF65-F5344CB8AC3E}">

--- a/dbs/数据存储模型.pptx
+++ b/dbs/数据存储模型.pptx
@@ -296,7 +296,7 @@
           <a:p>
             <a:fld id="{530820CF-B880-4189-942D-D702A7CBA730}" type="datetimeFigureOut">
               <a:rPr lang="zh-CN" altLang="en-US" smtClean="0"/>
-              <a:t>2018/5/22</a:t>
+              <a:t>2018/5/25</a:t>
             </a:fld>
             <a:endParaRPr lang="zh-CN" altLang="en-US"/>
           </a:p>
@@ -461,7 +461,7 @@
           <a:p>
             <a:fld id="{530820CF-B880-4189-942D-D702A7CBA730}" type="datetimeFigureOut">
               <a:rPr lang="zh-CN" altLang="en-US" smtClean="0"/>
-              <a:t>2018/5/22</a:t>
+              <a:t>2018/5/25</a:t>
             </a:fld>
             <a:endParaRPr lang="zh-CN" altLang="en-US"/>
           </a:p>
@@ -636,7 +636,7 @@
           <a:p>
             <a:fld id="{530820CF-B880-4189-942D-D702A7CBA730}" type="datetimeFigureOut">
               <a:rPr lang="zh-CN" altLang="en-US" smtClean="0"/>
-              <a:t>2018/5/22</a:t>
+              <a:t>2018/5/25</a:t>
             </a:fld>
             <a:endParaRPr lang="zh-CN" altLang="en-US"/>
           </a:p>
@@ -801,7 +801,7 @@
           <a:p>
             <a:fld id="{530820CF-B880-4189-942D-D702A7CBA730}" type="datetimeFigureOut">
               <a:rPr lang="zh-CN" altLang="en-US" smtClean="0"/>
-              <a:t>2018/5/22</a:t>
+              <a:t>2018/5/25</a:t>
             </a:fld>
             <a:endParaRPr lang="zh-CN" altLang="en-US"/>
           </a:p>
@@ -1042,7 +1042,7 @@
           <a:p>
             <a:fld id="{530820CF-B880-4189-942D-D702A7CBA730}" type="datetimeFigureOut">
               <a:rPr lang="zh-CN" altLang="en-US" smtClean="0"/>
-              <a:t>2018/5/22</a:t>
+              <a:t>2018/5/25</a:t>
             </a:fld>
             <a:endParaRPr lang="zh-CN" altLang="en-US"/>
           </a:p>
@@ -1325,7 +1325,7 @@
           <a:p>
             <a:fld id="{530820CF-B880-4189-942D-D702A7CBA730}" type="datetimeFigureOut">
               <a:rPr lang="zh-CN" altLang="en-US" smtClean="0"/>
-              <a:t>2018/5/22</a:t>
+              <a:t>2018/5/25</a:t>
             </a:fld>
             <a:endParaRPr lang="zh-CN" altLang="en-US"/>
           </a:p>
@@ -1742,7 +1742,7 @@
           <a:p>
             <a:fld id="{530820CF-B880-4189-942D-D702A7CBA730}" type="datetimeFigureOut">
               <a:rPr lang="zh-CN" altLang="en-US" smtClean="0"/>
-              <a:t>2018/5/22</a:t>
+              <a:t>2018/5/25</a:t>
             </a:fld>
             <a:endParaRPr lang="zh-CN" altLang="en-US"/>
           </a:p>
@@ -1855,7 +1855,7 @@
           <a:p>
             <a:fld id="{530820CF-B880-4189-942D-D702A7CBA730}" type="datetimeFigureOut">
               <a:rPr lang="zh-CN" altLang="en-US" smtClean="0"/>
-              <a:t>2018/5/22</a:t>
+              <a:t>2018/5/25</a:t>
             </a:fld>
             <a:endParaRPr lang="zh-CN" altLang="en-US"/>
           </a:p>
@@ -1945,7 +1945,7 @@
           <a:p>
             <a:fld id="{530820CF-B880-4189-942D-D702A7CBA730}" type="datetimeFigureOut">
               <a:rPr lang="zh-CN" altLang="en-US" smtClean="0"/>
-              <a:t>2018/5/22</a:t>
+              <a:t>2018/5/25</a:t>
             </a:fld>
             <a:endParaRPr lang="zh-CN" altLang="en-US"/>
           </a:p>
@@ -2217,7 +2217,7 @@
           <a:p>
             <a:fld id="{530820CF-B880-4189-942D-D702A7CBA730}" type="datetimeFigureOut">
               <a:rPr lang="zh-CN" altLang="en-US" smtClean="0"/>
-              <a:t>2018/5/22</a:t>
+              <a:t>2018/5/25</a:t>
             </a:fld>
             <a:endParaRPr lang="zh-CN" altLang="en-US"/>
           </a:p>
@@ -2465,7 +2465,7 @@
           <a:p>
             <a:fld id="{530820CF-B880-4189-942D-D702A7CBA730}" type="datetimeFigureOut">
               <a:rPr lang="zh-CN" altLang="en-US" smtClean="0"/>
-              <a:t>2018/5/22</a:t>
+              <a:t>2018/5/25</a:t>
             </a:fld>
             <a:endParaRPr lang="zh-CN" altLang="en-US"/>
           </a:p>
@@ -2673,7 +2673,7 @@
           <a:p>
             <a:fld id="{530820CF-B880-4189-942D-D702A7CBA730}" type="datetimeFigureOut">
               <a:rPr lang="zh-CN" altLang="en-US" smtClean="0"/>
-              <a:t>2018/5/22</a:t>
+              <a:t>2018/5/25</a:t>
             </a:fld>
             <a:endParaRPr lang="zh-CN" altLang="en-US"/>
           </a:p>
@@ -7617,6 +7617,611 @@
           <a:chExt cx="0" cy="0"/>
         </a:xfrm>
       </p:grpSpPr>
+      <p:sp>
+        <p:nvSpPr>
+          <p:cNvPr id="2" name="矩形 1"/>
+          <p:cNvSpPr/>
+          <p:nvPr/>
+        </p:nvSpPr>
+        <p:spPr>
+          <a:xfrm>
+            <a:off x="1187624" y="1484784"/>
+            <a:ext cx="3888432" cy="4176464"/>
+          </a:xfrm>
+          <a:prstGeom prst="rect">
+            <a:avLst/>
+          </a:prstGeom>
+          <a:solidFill>
+            <a:schemeClr val="accent5">
+              <a:lumMod val="75000"/>
+            </a:schemeClr>
+          </a:solidFill>
+          <a:ln>
+            <a:noFill/>
+          </a:ln>
+        </p:spPr>
+        <p:style>
+          <a:lnRef idx="2">
+            <a:schemeClr val="accent1">
+              <a:shade val="50000"/>
+            </a:schemeClr>
+          </a:lnRef>
+          <a:fillRef idx="1">
+            <a:schemeClr val="accent1"/>
+          </a:fillRef>
+          <a:effectRef idx="0">
+            <a:schemeClr val="accent1"/>
+          </a:effectRef>
+          <a:fontRef idx="minor">
+            <a:schemeClr val="lt1"/>
+          </a:fontRef>
+        </p:style>
+        <p:txBody>
+          <a:bodyPr rtlCol="0" anchor="t"/>
+          <a:lstStyle/>
+          <a:p>
+            <a:r>
+              <a:rPr lang="en-US" altLang="zh-CN" dirty="0" err="1">
+                <a:solidFill>
+                  <a:schemeClr val="bg1"/>
+                </a:solidFill>
+              </a:rPr>
+              <a:t>db</a:t>
+            </a:r>
+            <a:endParaRPr lang="zh-CN" altLang="en-US" dirty="0">
+              <a:solidFill>
+                <a:schemeClr val="bg1"/>
+              </a:solidFill>
+            </a:endParaRPr>
+          </a:p>
+        </p:txBody>
+      </p:sp>
+      <p:sp>
+        <p:nvSpPr>
+          <p:cNvPr id="3" name="矩形 2"/>
+          <p:cNvSpPr/>
+          <p:nvPr/>
+        </p:nvSpPr>
+        <p:spPr>
+          <a:xfrm>
+            <a:off x="1475656" y="1844824"/>
+            <a:ext cx="3312368" cy="2376264"/>
+          </a:xfrm>
+          <a:prstGeom prst="rect">
+            <a:avLst/>
+          </a:prstGeom>
+          <a:solidFill>
+            <a:schemeClr val="bg1">
+              <a:lumMod val="75000"/>
+            </a:schemeClr>
+          </a:solidFill>
+          <a:ln>
+            <a:noFill/>
+          </a:ln>
+        </p:spPr>
+        <p:style>
+          <a:lnRef idx="2">
+            <a:schemeClr val="accent1">
+              <a:shade val="50000"/>
+            </a:schemeClr>
+          </a:lnRef>
+          <a:fillRef idx="1">
+            <a:schemeClr val="accent1"/>
+          </a:fillRef>
+          <a:effectRef idx="0">
+            <a:schemeClr val="accent1"/>
+          </a:effectRef>
+          <a:fontRef idx="minor">
+            <a:schemeClr val="lt1"/>
+          </a:fontRef>
+        </p:style>
+        <p:txBody>
+          <a:bodyPr rtlCol="0" anchor="t"/>
+          <a:lstStyle/>
+          <a:p>
+            <a:pPr algn="ctr"/>
+            <a:r>
+              <a:rPr lang="zh-CN" altLang="en-US" dirty="0"/>
+              <a:t>数据</a:t>
+            </a:r>
+            <a:r>
+              <a:rPr lang="zh-CN" altLang="en-US" dirty="0" smtClean="0"/>
+              <a:t>集</a:t>
+            </a:r>
+            <a:r>
+              <a:rPr lang="en-US" altLang="zh-CN" dirty="0" err="1" smtClean="0"/>
+              <a:t>InstantNoodle</a:t>
+            </a:r>
+            <a:endParaRPr lang="en-US" altLang="zh-CN" dirty="0"/>
+          </a:p>
+        </p:txBody>
+      </p:sp>
+      <p:sp>
+        <p:nvSpPr>
+          <p:cNvPr id="4" name="矩形 3"/>
+          <p:cNvSpPr/>
+          <p:nvPr/>
+        </p:nvSpPr>
+        <p:spPr>
+          <a:xfrm>
+            <a:off x="1475656" y="4481736"/>
+            <a:ext cx="3312368" cy="603448"/>
+          </a:xfrm>
+          <a:prstGeom prst="rect">
+            <a:avLst/>
+          </a:prstGeom>
+          <a:solidFill>
+            <a:schemeClr val="bg1">
+              <a:lumMod val="75000"/>
+            </a:schemeClr>
+          </a:solidFill>
+          <a:ln>
+            <a:noFill/>
+          </a:ln>
+        </p:spPr>
+        <p:style>
+          <a:lnRef idx="2">
+            <a:schemeClr val="accent1">
+              <a:shade val="50000"/>
+            </a:schemeClr>
+          </a:lnRef>
+          <a:fillRef idx="1">
+            <a:schemeClr val="accent1"/>
+          </a:fillRef>
+          <a:effectRef idx="0">
+            <a:schemeClr val="accent1"/>
+          </a:effectRef>
+          <a:fontRef idx="minor">
+            <a:schemeClr val="lt1"/>
+          </a:fontRef>
+        </p:style>
+        <p:txBody>
+          <a:bodyPr rtlCol="0" anchor="ctr"/>
+          <a:lstStyle/>
+          <a:p>
+            <a:pPr algn="ctr"/>
+            <a:r>
+              <a:rPr lang="zh-CN" altLang="en-US" dirty="0"/>
+              <a:t>数据</a:t>
+            </a:r>
+            <a:r>
+              <a:rPr lang="zh-CN" altLang="en-US" dirty="0" smtClean="0"/>
+              <a:t>集</a:t>
+            </a:r>
+            <a:r>
+              <a:rPr lang="en-US" altLang="zh-CN" dirty="0" err="1" smtClean="0"/>
+              <a:t>OtherDataset</a:t>
+            </a:r>
+            <a:endParaRPr lang="en-US" altLang="zh-CN" dirty="0"/>
+          </a:p>
+        </p:txBody>
+      </p:sp>
+      <p:sp>
+        <p:nvSpPr>
+          <p:cNvPr id="5" name="矩形 4"/>
+          <p:cNvSpPr/>
+          <p:nvPr/>
+        </p:nvSpPr>
+        <p:spPr>
+          <a:xfrm>
+            <a:off x="1907704" y="2276872"/>
+            <a:ext cx="2520280" cy="288032"/>
+          </a:xfrm>
+          <a:prstGeom prst="rect">
+            <a:avLst/>
+          </a:prstGeom>
+          <a:solidFill>
+            <a:schemeClr val="bg1"/>
+          </a:solidFill>
+          <a:ln>
+            <a:noFill/>
+          </a:ln>
+        </p:spPr>
+        <p:style>
+          <a:lnRef idx="2">
+            <a:schemeClr val="accent1">
+              <a:shade val="50000"/>
+            </a:schemeClr>
+          </a:lnRef>
+          <a:fillRef idx="1">
+            <a:schemeClr val="accent1"/>
+          </a:fillRef>
+          <a:effectRef idx="0">
+            <a:schemeClr val="accent1"/>
+          </a:effectRef>
+          <a:fontRef idx="minor">
+            <a:schemeClr val="lt1"/>
+          </a:fontRef>
+        </p:style>
+        <p:txBody>
+          <a:bodyPr rtlCol="0" anchor="ctr"/>
+          <a:lstStyle/>
+          <a:p>
+            <a:pPr algn="ctr"/>
+            <a:r>
+              <a:rPr lang="en-US" altLang="zh-CN" dirty="0" err="1" smtClean="0">
+                <a:solidFill>
+                  <a:schemeClr val="tx1"/>
+                </a:solidFill>
+              </a:rPr>
+              <a:t>bsonFileOne</a:t>
+            </a:r>
+            <a:endParaRPr lang="zh-CN" altLang="en-US" dirty="0">
+              <a:solidFill>
+                <a:schemeClr val="tx1"/>
+              </a:solidFill>
+            </a:endParaRPr>
+          </a:p>
+        </p:txBody>
+      </p:sp>
+      <p:sp>
+        <p:nvSpPr>
+          <p:cNvPr id="6" name="矩形 5"/>
+          <p:cNvSpPr/>
+          <p:nvPr/>
+        </p:nvSpPr>
+        <p:spPr>
+          <a:xfrm>
+            <a:off x="1890030" y="2736121"/>
+            <a:ext cx="2520280" cy="288032"/>
+          </a:xfrm>
+          <a:prstGeom prst="rect">
+            <a:avLst/>
+          </a:prstGeom>
+          <a:solidFill>
+            <a:schemeClr val="bg1"/>
+          </a:solidFill>
+          <a:ln>
+            <a:noFill/>
+          </a:ln>
+        </p:spPr>
+        <p:style>
+          <a:lnRef idx="2">
+            <a:schemeClr val="accent1">
+              <a:shade val="50000"/>
+            </a:schemeClr>
+          </a:lnRef>
+          <a:fillRef idx="1">
+            <a:schemeClr val="accent1"/>
+          </a:fillRef>
+          <a:effectRef idx="0">
+            <a:schemeClr val="accent1"/>
+          </a:effectRef>
+          <a:fontRef idx="minor">
+            <a:schemeClr val="lt1"/>
+          </a:fontRef>
+        </p:style>
+        <p:txBody>
+          <a:bodyPr rtlCol="0" anchor="ctr"/>
+          <a:lstStyle/>
+          <a:p>
+            <a:pPr algn="ctr"/>
+            <a:r>
+              <a:rPr lang="en-US" altLang="zh-CN" dirty="0" err="1" smtClean="0">
+                <a:solidFill>
+                  <a:schemeClr val="tx1"/>
+                </a:solidFill>
+              </a:rPr>
+              <a:t>bsonFileTwo</a:t>
+            </a:r>
+            <a:endParaRPr lang="zh-CN" altLang="en-US" dirty="0"/>
+          </a:p>
+        </p:txBody>
+      </p:sp>
+      <p:sp>
+        <p:nvSpPr>
+          <p:cNvPr id="7" name="矩形 6"/>
+          <p:cNvSpPr/>
+          <p:nvPr/>
+        </p:nvSpPr>
+        <p:spPr>
+          <a:xfrm>
+            <a:off x="1890030" y="3212976"/>
+            <a:ext cx="2520280" cy="288032"/>
+          </a:xfrm>
+          <a:prstGeom prst="rect">
+            <a:avLst/>
+          </a:prstGeom>
+          <a:solidFill>
+            <a:schemeClr val="bg1"/>
+          </a:solidFill>
+          <a:ln>
+            <a:noFill/>
+          </a:ln>
+        </p:spPr>
+        <p:style>
+          <a:lnRef idx="2">
+            <a:schemeClr val="accent1">
+              <a:shade val="50000"/>
+            </a:schemeClr>
+          </a:lnRef>
+          <a:fillRef idx="1">
+            <a:schemeClr val="accent1"/>
+          </a:fillRef>
+          <a:effectRef idx="0">
+            <a:schemeClr val="accent1"/>
+          </a:effectRef>
+          <a:fontRef idx="minor">
+            <a:schemeClr val="lt1"/>
+          </a:fontRef>
+        </p:style>
+        <p:txBody>
+          <a:bodyPr rtlCol="0" anchor="ctr"/>
+          <a:lstStyle/>
+          <a:p>
+            <a:pPr algn="ctr"/>
+            <a:r>
+              <a:rPr lang="en-US" altLang="zh-CN" dirty="0" err="1" smtClean="0">
+                <a:solidFill>
+                  <a:schemeClr val="tx1"/>
+                </a:solidFill>
+              </a:rPr>
+              <a:t>bsonFileThree</a:t>
+            </a:r>
+            <a:endParaRPr lang="zh-CN" altLang="en-US" dirty="0"/>
+          </a:p>
+        </p:txBody>
+      </p:sp>
+      <p:sp>
+        <p:nvSpPr>
+          <p:cNvPr id="8" name="矩形 7"/>
+          <p:cNvSpPr/>
+          <p:nvPr/>
+        </p:nvSpPr>
+        <p:spPr>
+          <a:xfrm>
+            <a:off x="1890030" y="3645024"/>
+            <a:ext cx="2520280" cy="288032"/>
+          </a:xfrm>
+          <a:prstGeom prst="rect">
+            <a:avLst/>
+          </a:prstGeom>
+          <a:solidFill>
+            <a:schemeClr val="bg1"/>
+          </a:solidFill>
+          <a:ln>
+            <a:noFill/>
+          </a:ln>
+        </p:spPr>
+        <p:style>
+          <a:lnRef idx="2">
+            <a:schemeClr val="accent1">
+              <a:shade val="50000"/>
+            </a:schemeClr>
+          </a:lnRef>
+          <a:fillRef idx="1">
+            <a:schemeClr val="accent1"/>
+          </a:fillRef>
+          <a:effectRef idx="0">
+            <a:schemeClr val="accent1"/>
+          </a:effectRef>
+          <a:fontRef idx="minor">
+            <a:schemeClr val="lt1"/>
+          </a:fontRef>
+        </p:style>
+        <p:txBody>
+          <a:bodyPr rtlCol="0" anchor="ctr"/>
+          <a:lstStyle/>
+          <a:p>
+            <a:pPr algn="ctr"/>
+            <a:r>
+              <a:rPr lang="en-US" altLang="zh-CN" dirty="0" smtClean="0">
+                <a:solidFill>
+                  <a:schemeClr val="tx1"/>
+                </a:solidFill>
+              </a:rPr>
+              <a:t>…</a:t>
+            </a:r>
+            <a:endParaRPr lang="zh-CN" altLang="en-US" dirty="0"/>
+          </a:p>
+        </p:txBody>
+      </p:sp>
+      <p:cxnSp>
+        <p:nvCxnSpPr>
+          <p:cNvPr id="16" name="直接连接符 15"/>
+          <p:cNvCxnSpPr>
+            <a:stCxn id="5" idx="3"/>
+            <a:endCxn id="1026" idx="1"/>
+          </p:cNvCxnSpPr>
+          <p:nvPr/>
+        </p:nvCxnSpPr>
+        <p:spPr>
+          <a:xfrm>
+            <a:off x="4427984" y="2420888"/>
+            <a:ext cx="1368152" cy="315233"/>
+          </a:xfrm>
+          <a:prstGeom prst="line">
+            <a:avLst/>
+          </a:prstGeom>
+          <a:ln w="15875" cmpd="thickThin">
+            <a:solidFill>
+              <a:schemeClr val="accent5"/>
+            </a:solidFill>
+            <a:prstDash val="sysDash"/>
+          </a:ln>
+        </p:spPr>
+        <p:style>
+          <a:lnRef idx="1">
+            <a:schemeClr val="accent1"/>
+          </a:lnRef>
+          <a:fillRef idx="0">
+            <a:schemeClr val="accent1"/>
+          </a:fillRef>
+          <a:effectRef idx="0">
+            <a:schemeClr val="accent1"/>
+          </a:effectRef>
+          <a:fontRef idx="minor">
+            <a:schemeClr val="tx1"/>
+          </a:fontRef>
+        </p:style>
+      </p:cxnSp>
+      <p:pic>
+        <p:nvPicPr>
+          <p:cNvPr id="1026" name="Picture 2"/>
+          <p:cNvPicPr>
+            <a:picLocks noChangeAspect="1" noChangeArrowheads="1"/>
+          </p:cNvPicPr>
+          <p:nvPr/>
+        </p:nvPicPr>
+        <p:blipFill>
+          <a:blip r:embed="rId2">
+            <a:extLst>
+              <a:ext uri="{28A0092B-C50C-407E-A947-70E740481C1C}">
+                <a14:useLocalDpi xmlns:a14="http://schemas.microsoft.com/office/drawing/2010/main" val="0"/>
+              </a:ext>
+            </a:extLst>
+          </a:blip>
+          <a:srcRect/>
+          <a:stretch>
+            <a:fillRect/>
+          </a:stretch>
+        </p:blipFill>
+        <p:spPr bwMode="auto">
+          <a:xfrm>
+            <a:off x="5796136" y="1749426"/>
+            <a:ext cx="2799460" cy="1973390"/>
+          </a:xfrm>
+          <a:prstGeom prst="rect">
+            <a:avLst/>
+          </a:prstGeom>
+          <a:noFill/>
+          <a:ln>
+            <a:noFill/>
+          </a:ln>
+          <a:effectLst/>
+          <a:extLst>
+            <a:ext uri="{909E8E84-426E-40DD-AFC4-6F175D3DCCD1}">
+              <a14:hiddenFill xmlns:a14="http://schemas.microsoft.com/office/drawing/2010/main">
+                <a:solidFill>
+                  <a:schemeClr val="accent1"/>
+                </a:solidFill>
+              </a14:hiddenFill>
+            </a:ext>
+            <a:ext uri="{91240B29-F687-4F45-9708-019B960494DF}">
+              <a14:hiddenLine xmlns:a14="http://schemas.microsoft.com/office/drawing/2010/main" w="9525">
+                <a:solidFill>
+                  <a:schemeClr val="tx1"/>
+                </a:solidFill>
+                <a:miter lim="800000"/>
+                <a:headEnd/>
+                <a:tailEnd/>
+              </a14:hiddenLine>
+            </a:ext>
+            <a:ext uri="{AF507438-7753-43E0-B8FC-AC1667EBCBE1}">
+              <a14:hiddenEffects xmlns:a14="http://schemas.microsoft.com/office/drawing/2010/main">
+                <a:effectLst>
+                  <a:outerShdw dist="35921" dir="2700000" algn="ctr" rotWithShape="0">
+                    <a:schemeClr val="bg2"/>
+                  </a:outerShdw>
+                </a:effectLst>
+              </a14:hiddenEffects>
+            </a:ext>
+          </a:extLst>
+        </p:spPr>
+      </p:pic>
+      <p:pic>
+        <p:nvPicPr>
+          <p:cNvPr id="1027" name="Picture 3"/>
+          <p:cNvPicPr>
+            <a:picLocks noChangeAspect="1" noChangeArrowheads="1"/>
+          </p:cNvPicPr>
+          <p:nvPr/>
+        </p:nvPicPr>
+        <p:blipFill>
+          <a:blip r:embed="rId3">
+            <a:extLst>
+              <a:ext uri="{28A0092B-C50C-407E-A947-70E740481C1C}">
+                <a14:useLocalDpi xmlns:a14="http://schemas.microsoft.com/office/drawing/2010/main" val="0"/>
+              </a:ext>
+            </a:extLst>
+          </a:blip>
+          <a:srcRect/>
+          <a:stretch>
+            <a:fillRect/>
+          </a:stretch>
+        </p:blipFill>
+        <p:spPr bwMode="auto">
+          <a:xfrm>
+            <a:off x="5838736" y="3933056"/>
+            <a:ext cx="2793115" cy="1374232"/>
+          </a:xfrm>
+          <a:prstGeom prst="rect">
+            <a:avLst/>
+          </a:prstGeom>
+          <a:noFill/>
+          <a:ln>
+            <a:noFill/>
+          </a:ln>
+          <a:effectLst/>
+          <a:extLst>
+            <a:ext uri="{909E8E84-426E-40DD-AFC4-6F175D3DCCD1}">
+              <a14:hiddenFill xmlns:a14="http://schemas.microsoft.com/office/drawing/2010/main">
+                <a:solidFill>
+                  <a:schemeClr val="accent1"/>
+                </a:solidFill>
+              </a14:hiddenFill>
+            </a:ext>
+            <a:ext uri="{91240B29-F687-4F45-9708-019B960494DF}">
+              <a14:hiddenLine xmlns:a14="http://schemas.microsoft.com/office/drawing/2010/main" w="9525">
+                <a:solidFill>
+                  <a:schemeClr val="tx1"/>
+                </a:solidFill>
+                <a:miter lim="800000"/>
+                <a:headEnd/>
+                <a:tailEnd/>
+              </a14:hiddenLine>
+            </a:ext>
+            <a:ext uri="{AF507438-7753-43E0-B8FC-AC1667EBCBE1}">
+              <a14:hiddenEffects xmlns:a14="http://schemas.microsoft.com/office/drawing/2010/main">
+                <a:effectLst>
+                  <a:outerShdw dist="35921" dir="2700000" algn="ctr" rotWithShape="0">
+                    <a:schemeClr val="bg2"/>
+                  </a:outerShdw>
+                </a:effectLst>
+              </a14:hiddenEffects>
+            </a:ext>
+          </a:extLst>
+        </p:spPr>
+      </p:pic>
+      <p:cxnSp>
+        <p:nvCxnSpPr>
+          <p:cNvPr id="22" name="直接连接符 21"/>
+          <p:cNvCxnSpPr>
+            <a:stCxn id="6" idx="3"/>
+            <a:endCxn id="1027" idx="1"/>
+          </p:cNvCxnSpPr>
+          <p:nvPr/>
+        </p:nvCxnSpPr>
+        <p:spPr>
+          <a:xfrm>
+            <a:off x="4410310" y="2880137"/>
+            <a:ext cx="1428426" cy="1740035"/>
+          </a:xfrm>
+          <a:prstGeom prst="line">
+            <a:avLst/>
+          </a:prstGeom>
+          <a:ln w="15875" cmpd="thickThin">
+            <a:solidFill>
+              <a:schemeClr val="accent5"/>
+            </a:solidFill>
+            <a:prstDash val="sysDash"/>
+          </a:ln>
+        </p:spPr>
+        <p:style>
+          <a:lnRef idx="1">
+            <a:schemeClr val="accent1"/>
+          </a:lnRef>
+          <a:fillRef idx="0">
+            <a:schemeClr val="accent1"/>
+          </a:fillRef>
+          <a:effectRef idx="0">
+            <a:schemeClr val="accent1"/>
+          </a:effectRef>
+          <a:fontRef idx="minor">
+            <a:schemeClr val="tx1"/>
+          </a:fontRef>
+        </p:style>
+      </p:cxnSp>
     </p:spTree>
     <p:extLst>
       <p:ext uri="{BB962C8B-B14F-4D97-AF65-F5344CB8AC3E}">
@@ -7647,6 +8252,749 @@
           <a:chExt cx="0" cy="0"/>
         </a:xfrm>
       </p:grpSpPr>
+      <p:sp>
+        <p:nvSpPr>
+          <p:cNvPr id="2" name="矩形 1"/>
+          <p:cNvSpPr/>
+          <p:nvPr/>
+        </p:nvSpPr>
+        <p:spPr>
+          <a:xfrm>
+            <a:off x="745673" y="836712"/>
+            <a:ext cx="1612218" cy="2016224"/>
+          </a:xfrm>
+          <a:prstGeom prst="rect">
+            <a:avLst/>
+          </a:prstGeom>
+          <a:solidFill>
+            <a:schemeClr val="tx1">
+              <a:lumMod val="65000"/>
+              <a:lumOff val="35000"/>
+            </a:schemeClr>
+          </a:solidFill>
+          <a:ln>
+            <a:noFill/>
+          </a:ln>
+        </p:spPr>
+        <p:style>
+          <a:lnRef idx="2">
+            <a:schemeClr val="accent1">
+              <a:shade val="50000"/>
+            </a:schemeClr>
+          </a:lnRef>
+          <a:fillRef idx="1">
+            <a:schemeClr val="accent1"/>
+          </a:fillRef>
+          <a:effectRef idx="0">
+            <a:schemeClr val="accent1"/>
+          </a:effectRef>
+          <a:fontRef idx="minor">
+            <a:schemeClr val="lt1"/>
+          </a:fontRef>
+        </p:style>
+        <p:txBody>
+          <a:bodyPr rtlCol="0" anchor="t"/>
+          <a:lstStyle/>
+          <a:p>
+            <a:r>
+              <a:rPr lang="en-US" altLang="zh-CN" dirty="0" err="1" smtClean="0">
+                <a:solidFill>
+                  <a:schemeClr val="bg1"/>
+                </a:solidFill>
+              </a:rPr>
+              <a:t>InstantNoodle</a:t>
+            </a:r>
+            <a:r>
+              <a:rPr lang="en-US" altLang="zh-CN" dirty="0" smtClean="0">
+                <a:solidFill>
+                  <a:schemeClr val="bg1"/>
+                </a:solidFill>
+              </a:rPr>
+              <a:t> </a:t>
+            </a:r>
+            <a:endParaRPr lang="zh-CN" altLang="en-US" dirty="0">
+              <a:solidFill>
+                <a:schemeClr val="bg1"/>
+              </a:solidFill>
+            </a:endParaRPr>
+          </a:p>
+        </p:txBody>
+      </p:sp>
+      <p:sp>
+        <p:nvSpPr>
+          <p:cNvPr id="5" name="矩形 4"/>
+          <p:cNvSpPr/>
+          <p:nvPr/>
+        </p:nvSpPr>
+        <p:spPr>
+          <a:xfrm>
+            <a:off x="927634" y="1268760"/>
+            <a:ext cx="1224136" cy="360040"/>
+          </a:xfrm>
+          <a:prstGeom prst="rect">
+            <a:avLst/>
+          </a:prstGeom>
+          <a:solidFill>
+            <a:schemeClr val="accent1">
+              <a:lumMod val="40000"/>
+              <a:lumOff val="60000"/>
+            </a:schemeClr>
+          </a:solidFill>
+          <a:ln>
+            <a:noFill/>
+          </a:ln>
+        </p:spPr>
+        <p:style>
+          <a:lnRef idx="2">
+            <a:schemeClr val="accent1">
+              <a:shade val="50000"/>
+            </a:schemeClr>
+          </a:lnRef>
+          <a:fillRef idx="1">
+            <a:schemeClr val="accent1"/>
+          </a:fillRef>
+          <a:effectRef idx="0">
+            <a:schemeClr val="accent1"/>
+          </a:effectRef>
+          <a:fontRef idx="minor">
+            <a:schemeClr val="lt1"/>
+          </a:fontRef>
+        </p:style>
+        <p:txBody>
+          <a:bodyPr rtlCol="0" anchor="ctr"/>
+          <a:lstStyle/>
+          <a:p>
+            <a:pPr algn="ctr"/>
+            <a:r>
+              <a:rPr lang="en-US" altLang="zh-CN" dirty="0" smtClean="0"/>
+              <a:t>id</a:t>
+            </a:r>
+            <a:endParaRPr lang="zh-CN" altLang="en-US" dirty="0"/>
+          </a:p>
+        </p:txBody>
+      </p:sp>
+      <p:sp>
+        <p:nvSpPr>
+          <p:cNvPr id="6" name="矩形 5"/>
+          <p:cNvSpPr/>
+          <p:nvPr/>
+        </p:nvSpPr>
+        <p:spPr>
+          <a:xfrm>
+            <a:off x="939714" y="1772816"/>
+            <a:ext cx="1224136" cy="360040"/>
+          </a:xfrm>
+          <a:prstGeom prst="rect">
+            <a:avLst/>
+          </a:prstGeom>
+          <a:solidFill>
+            <a:schemeClr val="accent1">
+              <a:lumMod val="40000"/>
+              <a:lumOff val="60000"/>
+            </a:schemeClr>
+          </a:solidFill>
+          <a:ln>
+            <a:noFill/>
+          </a:ln>
+        </p:spPr>
+        <p:style>
+          <a:lnRef idx="2">
+            <a:schemeClr val="accent1">
+              <a:shade val="50000"/>
+            </a:schemeClr>
+          </a:lnRef>
+          <a:fillRef idx="1">
+            <a:schemeClr val="accent1"/>
+          </a:fillRef>
+          <a:effectRef idx="0">
+            <a:schemeClr val="accent1"/>
+          </a:effectRef>
+          <a:fontRef idx="minor">
+            <a:schemeClr val="lt1"/>
+          </a:fontRef>
+        </p:style>
+        <p:txBody>
+          <a:bodyPr rtlCol="0" anchor="ctr"/>
+          <a:lstStyle/>
+          <a:p>
+            <a:pPr algn="ctr"/>
+            <a:r>
+              <a:rPr lang="en-US" altLang="zh-CN" dirty="0" smtClean="0"/>
+              <a:t>name</a:t>
+            </a:r>
+            <a:endParaRPr lang="zh-CN" altLang="en-US" dirty="0"/>
+          </a:p>
+        </p:txBody>
+      </p:sp>
+      <p:sp>
+        <p:nvSpPr>
+          <p:cNvPr id="7" name="矩形 6"/>
+          <p:cNvSpPr/>
+          <p:nvPr/>
+        </p:nvSpPr>
+        <p:spPr>
+          <a:xfrm>
+            <a:off x="927634" y="2276872"/>
+            <a:ext cx="1224136" cy="360040"/>
+          </a:xfrm>
+          <a:prstGeom prst="rect">
+            <a:avLst/>
+          </a:prstGeom>
+          <a:solidFill>
+            <a:schemeClr val="accent1">
+              <a:lumMod val="40000"/>
+              <a:lumOff val="60000"/>
+            </a:schemeClr>
+          </a:solidFill>
+          <a:ln>
+            <a:noFill/>
+          </a:ln>
+        </p:spPr>
+        <p:style>
+          <a:lnRef idx="2">
+            <a:schemeClr val="accent1">
+              <a:shade val="50000"/>
+            </a:schemeClr>
+          </a:lnRef>
+          <a:fillRef idx="1">
+            <a:schemeClr val="accent1"/>
+          </a:fillRef>
+          <a:effectRef idx="0">
+            <a:schemeClr val="accent1"/>
+          </a:effectRef>
+          <a:fontRef idx="minor">
+            <a:schemeClr val="lt1"/>
+          </a:fontRef>
+        </p:style>
+        <p:txBody>
+          <a:bodyPr rtlCol="0" anchor="ctr"/>
+          <a:lstStyle/>
+          <a:p>
+            <a:pPr algn="ctr"/>
+            <a:r>
+              <a:rPr lang="en-US" altLang="zh-CN" dirty="0" err="1" smtClean="0"/>
+              <a:t>pkgPlanId</a:t>
+            </a:r>
+            <a:endParaRPr lang="zh-CN" altLang="en-US" dirty="0"/>
+          </a:p>
+        </p:txBody>
+      </p:sp>
+      <p:sp>
+        <p:nvSpPr>
+          <p:cNvPr id="8" name="矩形 7"/>
+          <p:cNvSpPr/>
+          <p:nvPr/>
+        </p:nvSpPr>
+        <p:spPr>
+          <a:xfrm>
+            <a:off x="2915816" y="836712"/>
+            <a:ext cx="1612218" cy="2016224"/>
+          </a:xfrm>
+          <a:prstGeom prst="rect">
+            <a:avLst/>
+          </a:prstGeom>
+          <a:solidFill>
+            <a:schemeClr val="tx1">
+              <a:lumMod val="65000"/>
+              <a:lumOff val="35000"/>
+            </a:schemeClr>
+          </a:solidFill>
+          <a:ln>
+            <a:noFill/>
+          </a:ln>
+        </p:spPr>
+        <p:style>
+          <a:lnRef idx="2">
+            <a:schemeClr val="accent1">
+              <a:shade val="50000"/>
+            </a:schemeClr>
+          </a:lnRef>
+          <a:fillRef idx="1">
+            <a:schemeClr val="accent1"/>
+          </a:fillRef>
+          <a:effectRef idx="0">
+            <a:schemeClr val="accent1"/>
+          </a:effectRef>
+          <a:fontRef idx="minor">
+            <a:schemeClr val="lt1"/>
+          </a:fontRef>
+        </p:style>
+        <p:txBody>
+          <a:bodyPr rtlCol="0" anchor="t"/>
+          <a:lstStyle/>
+          <a:p>
+            <a:r>
+              <a:rPr lang="en-US" altLang="zh-CN" dirty="0" err="1" smtClean="0">
+                <a:solidFill>
+                  <a:schemeClr val="bg1"/>
+                </a:solidFill>
+              </a:rPr>
+              <a:t>pkgPlan</a:t>
+            </a:r>
+            <a:endParaRPr lang="zh-CN" altLang="en-US" dirty="0">
+              <a:solidFill>
+                <a:schemeClr val="bg1"/>
+              </a:solidFill>
+            </a:endParaRPr>
+          </a:p>
+        </p:txBody>
+      </p:sp>
+      <p:sp>
+        <p:nvSpPr>
+          <p:cNvPr id="9" name="矩形 8"/>
+          <p:cNvSpPr/>
+          <p:nvPr/>
+        </p:nvSpPr>
+        <p:spPr>
+          <a:xfrm>
+            <a:off x="3097777" y="1268760"/>
+            <a:ext cx="1224136" cy="360040"/>
+          </a:xfrm>
+          <a:prstGeom prst="rect">
+            <a:avLst/>
+          </a:prstGeom>
+          <a:solidFill>
+            <a:schemeClr val="accent1">
+              <a:lumMod val="40000"/>
+              <a:lumOff val="60000"/>
+            </a:schemeClr>
+          </a:solidFill>
+          <a:ln>
+            <a:noFill/>
+          </a:ln>
+        </p:spPr>
+        <p:style>
+          <a:lnRef idx="2">
+            <a:schemeClr val="accent1">
+              <a:shade val="50000"/>
+            </a:schemeClr>
+          </a:lnRef>
+          <a:fillRef idx="1">
+            <a:schemeClr val="accent1"/>
+          </a:fillRef>
+          <a:effectRef idx="0">
+            <a:schemeClr val="accent1"/>
+          </a:effectRef>
+          <a:fontRef idx="minor">
+            <a:schemeClr val="lt1"/>
+          </a:fontRef>
+        </p:style>
+        <p:txBody>
+          <a:bodyPr rtlCol="0" anchor="ctr"/>
+          <a:lstStyle/>
+          <a:p>
+            <a:pPr algn="ctr"/>
+            <a:r>
+              <a:rPr lang="en-US" altLang="zh-CN" dirty="0" err="1"/>
+              <a:t>pkgPlanId</a:t>
+            </a:r>
+            <a:endParaRPr lang="zh-CN" altLang="en-US" dirty="0"/>
+          </a:p>
+        </p:txBody>
+      </p:sp>
+      <p:sp>
+        <p:nvSpPr>
+          <p:cNvPr id="10" name="矩形 9"/>
+          <p:cNvSpPr/>
+          <p:nvPr/>
+        </p:nvSpPr>
+        <p:spPr>
+          <a:xfrm>
+            <a:off x="3109857" y="1772816"/>
+            <a:ext cx="1224136" cy="360040"/>
+          </a:xfrm>
+          <a:prstGeom prst="rect">
+            <a:avLst/>
+          </a:prstGeom>
+          <a:solidFill>
+            <a:schemeClr val="accent1">
+              <a:lumMod val="40000"/>
+              <a:lumOff val="60000"/>
+            </a:schemeClr>
+          </a:solidFill>
+          <a:ln>
+            <a:noFill/>
+          </a:ln>
+        </p:spPr>
+        <p:style>
+          <a:lnRef idx="2">
+            <a:schemeClr val="accent1">
+              <a:shade val="50000"/>
+            </a:schemeClr>
+          </a:lnRef>
+          <a:fillRef idx="1">
+            <a:schemeClr val="accent1"/>
+          </a:fillRef>
+          <a:effectRef idx="0">
+            <a:schemeClr val="accent1"/>
+          </a:effectRef>
+          <a:fontRef idx="minor">
+            <a:schemeClr val="lt1"/>
+          </a:fontRef>
+        </p:style>
+        <p:txBody>
+          <a:bodyPr rtlCol="0" anchor="ctr"/>
+          <a:lstStyle/>
+          <a:p>
+            <a:pPr algn="ctr"/>
+            <a:r>
+              <a:rPr lang="en-US" altLang="zh-CN" dirty="0" err="1" smtClean="0"/>
+              <a:t>descr</a:t>
+            </a:r>
+            <a:endParaRPr lang="zh-CN" altLang="en-US" dirty="0"/>
+          </a:p>
+        </p:txBody>
+      </p:sp>
+      <p:sp>
+        <p:nvSpPr>
+          <p:cNvPr id="11" name="矩形 10"/>
+          <p:cNvSpPr/>
+          <p:nvPr/>
+        </p:nvSpPr>
+        <p:spPr>
+          <a:xfrm>
+            <a:off x="3097777" y="2276872"/>
+            <a:ext cx="1224136" cy="360040"/>
+          </a:xfrm>
+          <a:prstGeom prst="rect">
+            <a:avLst/>
+          </a:prstGeom>
+          <a:solidFill>
+            <a:schemeClr val="accent1">
+              <a:lumMod val="40000"/>
+              <a:lumOff val="60000"/>
+            </a:schemeClr>
+          </a:solidFill>
+          <a:ln>
+            <a:noFill/>
+          </a:ln>
+        </p:spPr>
+        <p:style>
+          <a:lnRef idx="2">
+            <a:schemeClr val="accent1">
+              <a:shade val="50000"/>
+            </a:schemeClr>
+          </a:lnRef>
+          <a:fillRef idx="1">
+            <a:schemeClr val="accent1"/>
+          </a:fillRef>
+          <a:effectRef idx="0">
+            <a:schemeClr val="accent1"/>
+          </a:effectRef>
+          <a:fontRef idx="minor">
+            <a:schemeClr val="lt1"/>
+          </a:fontRef>
+        </p:style>
+        <p:txBody>
+          <a:bodyPr rtlCol="0" anchor="ctr"/>
+          <a:lstStyle/>
+          <a:p>
+            <a:pPr algn="ctr"/>
+            <a:r>
+              <a:rPr lang="en-US" altLang="zh-CN" dirty="0" smtClean="0"/>
+              <a:t>…</a:t>
+            </a:r>
+            <a:endParaRPr lang="zh-CN" altLang="en-US" dirty="0"/>
+          </a:p>
+        </p:txBody>
+      </p:sp>
+      <p:cxnSp>
+        <p:nvCxnSpPr>
+          <p:cNvPr id="13" name="直接连接符 12"/>
+          <p:cNvCxnSpPr>
+            <a:endCxn id="9" idx="1"/>
+          </p:cNvCxnSpPr>
+          <p:nvPr/>
+        </p:nvCxnSpPr>
+        <p:spPr>
+          <a:xfrm flipV="1">
+            <a:off x="2151770" y="1448780"/>
+            <a:ext cx="946007" cy="1008112"/>
+          </a:xfrm>
+          <a:prstGeom prst="line">
+            <a:avLst/>
+          </a:prstGeom>
+          <a:ln w="15875">
+            <a:solidFill>
+              <a:schemeClr val="tx1"/>
+            </a:solidFill>
+          </a:ln>
+        </p:spPr>
+        <p:style>
+          <a:lnRef idx="1">
+            <a:schemeClr val="accent1"/>
+          </a:lnRef>
+          <a:fillRef idx="0">
+            <a:schemeClr val="accent1"/>
+          </a:fillRef>
+          <a:effectRef idx="0">
+            <a:schemeClr val="accent1"/>
+          </a:effectRef>
+          <a:fontRef idx="minor">
+            <a:schemeClr val="tx1"/>
+          </a:fontRef>
+        </p:style>
+      </p:cxnSp>
+      <p:sp>
+        <p:nvSpPr>
+          <p:cNvPr id="18" name="矩形 17"/>
+          <p:cNvSpPr/>
+          <p:nvPr/>
+        </p:nvSpPr>
+        <p:spPr>
+          <a:xfrm>
+            <a:off x="2766940" y="3262672"/>
+            <a:ext cx="2309115" cy="3140968"/>
+          </a:xfrm>
+          <a:prstGeom prst="rect">
+            <a:avLst/>
+          </a:prstGeom>
+          <a:solidFill>
+            <a:schemeClr val="tx1">
+              <a:lumMod val="65000"/>
+              <a:lumOff val="35000"/>
+            </a:schemeClr>
+          </a:solidFill>
+          <a:ln>
+            <a:noFill/>
+          </a:ln>
+        </p:spPr>
+        <p:style>
+          <a:lnRef idx="2">
+            <a:schemeClr val="accent1">
+              <a:shade val="50000"/>
+            </a:schemeClr>
+          </a:lnRef>
+          <a:fillRef idx="1">
+            <a:schemeClr val="accent1"/>
+          </a:fillRef>
+          <a:effectRef idx="0">
+            <a:schemeClr val="accent1"/>
+          </a:effectRef>
+          <a:fontRef idx="minor">
+            <a:schemeClr val="lt1"/>
+          </a:fontRef>
+        </p:style>
+        <p:txBody>
+          <a:bodyPr rtlCol="0" anchor="t"/>
+          <a:lstStyle/>
+          <a:p>
+            <a:r>
+              <a:rPr lang="en-US" altLang="zh-CN" dirty="0" err="1" smtClean="0">
+                <a:solidFill>
+                  <a:schemeClr val="bg1"/>
+                </a:solidFill>
+              </a:rPr>
+              <a:t>InstantNoodle</a:t>
+            </a:r>
+            <a:r>
+              <a:rPr lang="en-US" altLang="zh-CN" dirty="0" smtClean="0">
+                <a:solidFill>
+                  <a:schemeClr val="bg1"/>
+                </a:solidFill>
+              </a:rPr>
+              <a:t> </a:t>
+            </a:r>
+            <a:endParaRPr lang="zh-CN" altLang="en-US" dirty="0">
+              <a:solidFill>
+                <a:schemeClr val="bg1"/>
+              </a:solidFill>
+            </a:endParaRPr>
+          </a:p>
+        </p:txBody>
+      </p:sp>
+      <p:sp>
+        <p:nvSpPr>
+          <p:cNvPr id="19" name="矩形 18"/>
+          <p:cNvSpPr/>
+          <p:nvPr/>
+        </p:nvSpPr>
+        <p:spPr>
+          <a:xfrm>
+            <a:off x="2920074" y="3694720"/>
+            <a:ext cx="2011966" cy="360040"/>
+          </a:xfrm>
+          <a:prstGeom prst="rect">
+            <a:avLst/>
+          </a:prstGeom>
+          <a:solidFill>
+            <a:schemeClr val="accent1">
+              <a:lumMod val="40000"/>
+              <a:lumOff val="60000"/>
+            </a:schemeClr>
+          </a:solidFill>
+          <a:ln>
+            <a:noFill/>
+          </a:ln>
+        </p:spPr>
+        <p:style>
+          <a:lnRef idx="2">
+            <a:schemeClr val="accent1">
+              <a:shade val="50000"/>
+            </a:schemeClr>
+          </a:lnRef>
+          <a:fillRef idx="1">
+            <a:schemeClr val="accent1"/>
+          </a:fillRef>
+          <a:effectRef idx="0">
+            <a:schemeClr val="accent1"/>
+          </a:effectRef>
+          <a:fontRef idx="minor">
+            <a:schemeClr val="lt1"/>
+          </a:fontRef>
+        </p:style>
+        <p:txBody>
+          <a:bodyPr rtlCol="0" anchor="ctr"/>
+          <a:lstStyle/>
+          <a:p>
+            <a:pPr algn="ctr"/>
+            <a:r>
+              <a:rPr lang="en-US" altLang="zh-CN" dirty="0" smtClean="0"/>
+              <a:t>id</a:t>
+            </a:r>
+            <a:endParaRPr lang="zh-CN" altLang="en-US" dirty="0"/>
+          </a:p>
+        </p:txBody>
+      </p:sp>
+      <p:sp>
+        <p:nvSpPr>
+          <p:cNvPr id="20" name="矩形 19"/>
+          <p:cNvSpPr/>
+          <p:nvPr/>
+        </p:nvSpPr>
+        <p:spPr>
+          <a:xfrm>
+            <a:off x="2932153" y="4198776"/>
+            <a:ext cx="1999887" cy="360040"/>
+          </a:xfrm>
+          <a:prstGeom prst="rect">
+            <a:avLst/>
+          </a:prstGeom>
+          <a:solidFill>
+            <a:schemeClr val="accent1">
+              <a:lumMod val="40000"/>
+              <a:lumOff val="60000"/>
+            </a:schemeClr>
+          </a:solidFill>
+          <a:ln>
+            <a:noFill/>
+          </a:ln>
+        </p:spPr>
+        <p:style>
+          <a:lnRef idx="2">
+            <a:schemeClr val="accent1">
+              <a:shade val="50000"/>
+            </a:schemeClr>
+          </a:lnRef>
+          <a:fillRef idx="1">
+            <a:schemeClr val="accent1"/>
+          </a:fillRef>
+          <a:effectRef idx="0">
+            <a:schemeClr val="accent1"/>
+          </a:effectRef>
+          <a:fontRef idx="minor">
+            <a:schemeClr val="lt1"/>
+          </a:fontRef>
+        </p:style>
+        <p:txBody>
+          <a:bodyPr rtlCol="0" anchor="ctr"/>
+          <a:lstStyle/>
+          <a:p>
+            <a:pPr algn="ctr"/>
+            <a:r>
+              <a:rPr lang="en-US" altLang="zh-CN" dirty="0" smtClean="0"/>
+              <a:t>name</a:t>
+            </a:r>
+            <a:endParaRPr lang="zh-CN" altLang="en-US" dirty="0"/>
+          </a:p>
+        </p:txBody>
+      </p:sp>
+      <p:sp>
+        <p:nvSpPr>
+          <p:cNvPr id="21" name="矩形 20"/>
+          <p:cNvSpPr/>
+          <p:nvPr/>
+        </p:nvSpPr>
+        <p:spPr>
+          <a:xfrm>
+            <a:off x="2920073" y="4702832"/>
+            <a:ext cx="2011967" cy="1174440"/>
+          </a:xfrm>
+          <a:prstGeom prst="rect">
+            <a:avLst/>
+          </a:prstGeom>
+          <a:solidFill>
+            <a:schemeClr val="accent1">
+              <a:lumMod val="40000"/>
+              <a:lumOff val="60000"/>
+            </a:schemeClr>
+          </a:solidFill>
+          <a:ln>
+            <a:noFill/>
+          </a:ln>
+        </p:spPr>
+        <p:style>
+          <a:lnRef idx="2">
+            <a:schemeClr val="accent1">
+              <a:shade val="50000"/>
+            </a:schemeClr>
+          </a:lnRef>
+          <a:fillRef idx="1">
+            <a:schemeClr val="accent1"/>
+          </a:fillRef>
+          <a:effectRef idx="0">
+            <a:schemeClr val="accent1"/>
+          </a:effectRef>
+          <a:fontRef idx="minor">
+            <a:schemeClr val="lt1"/>
+          </a:fontRef>
+        </p:style>
+        <p:txBody>
+          <a:bodyPr rtlCol="0" anchor="t"/>
+          <a:lstStyle/>
+          <a:p>
+            <a:r>
+              <a:rPr lang="en-US" altLang="zh-CN" dirty="0" err="1" smtClean="0"/>
+              <a:t>pkgPlanSet</a:t>
+            </a:r>
+            <a:r>
+              <a:rPr lang="en-US" altLang="zh-CN" dirty="0" smtClean="0"/>
+              <a:t>:{</a:t>
+            </a:r>
+          </a:p>
+          <a:p>
+            <a:r>
+              <a:rPr lang="en-US" altLang="zh-CN" dirty="0" smtClean="0"/>
+              <a:t>[Id:1,</a:t>
+            </a:r>
+            <a:r>
+              <a:rPr lang="en-US" altLang="zh-CN" dirty="0"/>
+              <a:t> </a:t>
+            </a:r>
+            <a:r>
+              <a:rPr lang="en-US" altLang="zh-CN" dirty="0" smtClean="0"/>
+              <a:t>descr:descr1],</a:t>
+            </a:r>
+          </a:p>
+          <a:p>
+            <a:r>
+              <a:rPr lang="en-US" altLang="zh-CN" dirty="0"/>
+              <a:t>[</a:t>
+            </a:r>
+            <a:r>
+              <a:rPr lang="en-US" altLang="zh-CN" dirty="0" smtClean="0"/>
+              <a:t>Id:2, descr:descr2]</a:t>
+            </a:r>
+            <a:endParaRPr lang="en-US" altLang="zh-CN" dirty="0"/>
+          </a:p>
+          <a:p>
+            <a:r>
+              <a:rPr lang="en-US" altLang="zh-CN" dirty="0" smtClean="0"/>
+              <a:t>}</a:t>
+            </a:r>
+          </a:p>
+        </p:txBody>
+      </p:sp>
     </p:spTree>
     <p:extLst>
       <p:ext uri="{BB962C8B-B14F-4D97-AF65-F5344CB8AC3E}">

--- a/dbs/数据存储模型.pptx
+++ b/dbs/数据存储模型.pptx
@@ -296,7 +296,7 @@
           <a:p>
             <a:fld id="{530820CF-B880-4189-942D-D702A7CBA730}" type="datetimeFigureOut">
               <a:rPr lang="zh-CN" altLang="en-US" smtClean="0"/>
-              <a:t>2018/5/25</a:t>
+              <a:t>2018/5/27</a:t>
             </a:fld>
             <a:endParaRPr lang="zh-CN" altLang="en-US"/>
           </a:p>
@@ -461,7 +461,7 @@
           <a:p>
             <a:fld id="{530820CF-B880-4189-942D-D702A7CBA730}" type="datetimeFigureOut">
               <a:rPr lang="zh-CN" altLang="en-US" smtClean="0"/>
-              <a:t>2018/5/25</a:t>
+              <a:t>2018/5/27</a:t>
             </a:fld>
             <a:endParaRPr lang="zh-CN" altLang="en-US"/>
           </a:p>
@@ -636,7 +636,7 @@
           <a:p>
             <a:fld id="{530820CF-B880-4189-942D-D702A7CBA730}" type="datetimeFigureOut">
               <a:rPr lang="zh-CN" altLang="en-US" smtClean="0"/>
-              <a:t>2018/5/25</a:t>
+              <a:t>2018/5/27</a:t>
             </a:fld>
             <a:endParaRPr lang="zh-CN" altLang="en-US"/>
           </a:p>
@@ -801,7 +801,7 @@
           <a:p>
             <a:fld id="{530820CF-B880-4189-942D-D702A7CBA730}" type="datetimeFigureOut">
               <a:rPr lang="zh-CN" altLang="en-US" smtClean="0"/>
-              <a:t>2018/5/25</a:t>
+              <a:t>2018/5/27</a:t>
             </a:fld>
             <a:endParaRPr lang="zh-CN" altLang="en-US"/>
           </a:p>
@@ -1042,7 +1042,7 @@
           <a:p>
             <a:fld id="{530820CF-B880-4189-942D-D702A7CBA730}" type="datetimeFigureOut">
               <a:rPr lang="zh-CN" altLang="en-US" smtClean="0"/>
-              <a:t>2018/5/25</a:t>
+              <a:t>2018/5/27</a:t>
             </a:fld>
             <a:endParaRPr lang="zh-CN" altLang="en-US"/>
           </a:p>
@@ -1325,7 +1325,7 @@
           <a:p>
             <a:fld id="{530820CF-B880-4189-942D-D702A7CBA730}" type="datetimeFigureOut">
               <a:rPr lang="zh-CN" altLang="en-US" smtClean="0"/>
-              <a:t>2018/5/25</a:t>
+              <a:t>2018/5/27</a:t>
             </a:fld>
             <a:endParaRPr lang="zh-CN" altLang="en-US"/>
           </a:p>
@@ -1742,7 +1742,7 @@
           <a:p>
             <a:fld id="{530820CF-B880-4189-942D-D702A7CBA730}" type="datetimeFigureOut">
               <a:rPr lang="zh-CN" altLang="en-US" smtClean="0"/>
-              <a:t>2018/5/25</a:t>
+              <a:t>2018/5/27</a:t>
             </a:fld>
             <a:endParaRPr lang="zh-CN" altLang="en-US"/>
           </a:p>
@@ -1855,7 +1855,7 @@
           <a:p>
             <a:fld id="{530820CF-B880-4189-942D-D702A7CBA730}" type="datetimeFigureOut">
               <a:rPr lang="zh-CN" altLang="en-US" smtClean="0"/>
-              <a:t>2018/5/25</a:t>
+              <a:t>2018/5/27</a:t>
             </a:fld>
             <a:endParaRPr lang="zh-CN" altLang="en-US"/>
           </a:p>
@@ -1945,7 +1945,7 @@
           <a:p>
             <a:fld id="{530820CF-B880-4189-942D-D702A7CBA730}" type="datetimeFigureOut">
               <a:rPr lang="zh-CN" altLang="en-US" smtClean="0"/>
-              <a:t>2018/5/25</a:t>
+              <a:t>2018/5/27</a:t>
             </a:fld>
             <a:endParaRPr lang="zh-CN" altLang="en-US"/>
           </a:p>
@@ -2217,7 +2217,7 @@
           <a:p>
             <a:fld id="{530820CF-B880-4189-942D-D702A7CBA730}" type="datetimeFigureOut">
               <a:rPr lang="zh-CN" altLang="en-US" smtClean="0"/>
-              <a:t>2018/5/25</a:t>
+              <a:t>2018/5/27</a:t>
             </a:fld>
             <a:endParaRPr lang="zh-CN" altLang="en-US"/>
           </a:p>
@@ -2465,7 +2465,7 @@
           <a:p>
             <a:fld id="{530820CF-B880-4189-942D-D702A7CBA730}" type="datetimeFigureOut">
               <a:rPr lang="zh-CN" altLang="en-US" smtClean="0"/>
-              <a:t>2018/5/25</a:t>
+              <a:t>2018/5/27</a:t>
             </a:fld>
             <a:endParaRPr lang="zh-CN" altLang="en-US"/>
           </a:p>
@@ -2673,7 +2673,7 @@
           <a:p>
             <a:fld id="{530820CF-B880-4189-942D-D702A7CBA730}" type="datetimeFigureOut">
               <a:rPr lang="zh-CN" altLang="en-US" smtClean="0"/>
-              <a:t>2018/5/25</a:t>
+              <a:t>2018/5/27</a:t>
             </a:fld>
             <a:endParaRPr lang="zh-CN" altLang="en-US"/>
           </a:p>
@@ -8743,7 +8743,7 @@
         </p:nvSpPr>
         <p:spPr>
           <a:xfrm>
-            <a:off x="2766940" y="3262672"/>
+            <a:off x="1203333" y="3276959"/>
             <a:ext cx="2309115" cy="3140968"/>
           </a:xfrm>
           <a:prstGeom prst="rect">
@@ -8811,7 +8811,7 @@
         </p:nvSpPr>
         <p:spPr>
           <a:xfrm>
-            <a:off x="2920074" y="3694720"/>
+            <a:off x="1356467" y="3709007"/>
             <a:ext cx="2011966" cy="360040"/>
           </a:xfrm>
           <a:prstGeom prst="rect">
@@ -8864,7 +8864,7 @@
         </p:nvSpPr>
         <p:spPr>
           <a:xfrm>
-            <a:off x="2932153" y="4198776"/>
+            <a:off x="1368546" y="4213063"/>
             <a:ext cx="1999887" cy="360040"/>
           </a:xfrm>
           <a:prstGeom prst="rect">
@@ -8917,7 +8917,7 @@
         </p:nvSpPr>
         <p:spPr>
           <a:xfrm>
-            <a:off x="2920073" y="4702832"/>
+            <a:off x="1356466" y="4717119"/>
             <a:ext cx="2011967" cy="1174440"/>
           </a:xfrm>
           <a:prstGeom prst="rect">
@@ -9025,6 +9025,472 @@
           <a:chExt cx="0" cy="0"/>
         </a:xfrm>
       </p:grpSpPr>
+      <p:sp>
+        <p:nvSpPr>
+          <p:cNvPr id="2" name="TextBox 1"/>
+          <p:cNvSpPr txBox="1"/>
+          <p:nvPr/>
+        </p:nvSpPr>
+        <p:spPr>
+          <a:xfrm>
+            <a:off x="395536" y="548680"/>
+            <a:ext cx="2847896" cy="3416320"/>
+          </a:xfrm>
+          <a:prstGeom prst="rect">
+            <a:avLst/>
+          </a:prstGeom>
+          <a:noFill/>
+        </p:spPr>
+        <p:txBody>
+          <a:bodyPr wrap="none" rtlCol="0">
+            <a:spAutoFit/>
+          </a:bodyPr>
+          <a:lstStyle/>
+          <a:p>
+            <a:r>
+              <a:rPr lang="en-US" altLang="zh-CN" dirty="0"/>
+              <a:t>class Person {</a:t>
+            </a:r>
+            <a:endParaRPr lang="zh-CN" altLang="zh-CN" dirty="0"/>
+          </a:p>
+          <a:p>
+            <a:r>
+              <a:rPr lang="en-US" altLang="zh-CN" dirty="0"/>
+              <a:t>    public Person() {</a:t>
+            </a:r>
+            <a:endParaRPr lang="zh-CN" altLang="zh-CN" dirty="0"/>
+          </a:p>
+          <a:p>
+            <a:r>
+              <a:rPr lang="en-US" altLang="zh-CN" dirty="0"/>
+              <a:t>    }</a:t>
+            </a:r>
+            <a:endParaRPr lang="zh-CN" altLang="zh-CN" dirty="0"/>
+          </a:p>
+          <a:p>
+            <a:r>
+              <a:rPr lang="en-US" altLang="zh-CN" dirty="0"/>
+              <a:t>}</a:t>
+            </a:r>
+            <a:endParaRPr lang="zh-CN" altLang="zh-CN" dirty="0"/>
+          </a:p>
+          <a:p>
+            <a:r>
+              <a:rPr lang="en-US" altLang="zh-CN" dirty="0"/>
+              <a:t>class User extends Person {</a:t>
+            </a:r>
+            <a:endParaRPr lang="zh-CN" altLang="zh-CN" dirty="0"/>
+          </a:p>
+          <a:p>
+            <a:r>
+              <a:rPr lang="en-US" altLang="zh-CN" dirty="0"/>
+              <a:t>    public User () {</a:t>
+            </a:r>
+            <a:endParaRPr lang="zh-CN" altLang="zh-CN" dirty="0"/>
+          </a:p>
+          <a:p>
+            <a:r>
+              <a:rPr lang="en-US" altLang="zh-CN" dirty="0"/>
+              <a:t>    }</a:t>
+            </a:r>
+            <a:endParaRPr lang="zh-CN" altLang="zh-CN" dirty="0"/>
+          </a:p>
+          <a:p>
+            <a:r>
+              <a:rPr lang="en-US" altLang="zh-CN" dirty="0"/>
+              <a:t>}</a:t>
+            </a:r>
+            <a:endParaRPr lang="zh-CN" altLang="zh-CN" dirty="0"/>
+          </a:p>
+          <a:p>
+            <a:r>
+              <a:rPr lang="en-US" altLang="zh-CN" dirty="0"/>
+              <a:t>class Tester extends Person {</a:t>
+            </a:r>
+            <a:endParaRPr lang="zh-CN" altLang="zh-CN" dirty="0"/>
+          </a:p>
+          <a:p>
+            <a:r>
+              <a:rPr lang="en-US" altLang="zh-CN" dirty="0"/>
+              <a:t>    public Tester () {</a:t>
+            </a:r>
+            <a:endParaRPr lang="zh-CN" altLang="zh-CN" dirty="0"/>
+          </a:p>
+          <a:p>
+            <a:r>
+              <a:rPr lang="en-US" altLang="zh-CN" dirty="0"/>
+              <a:t>    }</a:t>
+            </a:r>
+            <a:endParaRPr lang="zh-CN" altLang="zh-CN" dirty="0"/>
+          </a:p>
+          <a:p>
+            <a:r>
+              <a:rPr lang="en-US" altLang="zh-CN" dirty="0"/>
+              <a:t>}</a:t>
+            </a:r>
+            <a:endParaRPr lang="zh-CN" altLang="en-US" dirty="0"/>
+          </a:p>
+        </p:txBody>
+      </p:sp>
+      <p:sp>
+        <p:nvSpPr>
+          <p:cNvPr id="3" name="矩形 2"/>
+          <p:cNvSpPr/>
+          <p:nvPr/>
+        </p:nvSpPr>
+        <p:spPr>
+          <a:xfrm>
+            <a:off x="5292080" y="1054472"/>
+            <a:ext cx="2304256" cy="1008112"/>
+          </a:xfrm>
+          <a:prstGeom prst="rect">
+            <a:avLst/>
+          </a:prstGeom>
+          <a:solidFill>
+            <a:schemeClr val="bg1">
+              <a:lumMod val="65000"/>
+            </a:schemeClr>
+          </a:solidFill>
+          <a:ln>
+            <a:noFill/>
+          </a:ln>
+        </p:spPr>
+        <p:style>
+          <a:lnRef idx="2">
+            <a:schemeClr val="accent1">
+              <a:shade val="50000"/>
+            </a:schemeClr>
+          </a:lnRef>
+          <a:fillRef idx="1">
+            <a:schemeClr val="accent1"/>
+          </a:fillRef>
+          <a:effectRef idx="0">
+            <a:schemeClr val="accent1"/>
+          </a:effectRef>
+          <a:fontRef idx="minor">
+            <a:schemeClr val="lt1"/>
+          </a:fontRef>
+        </p:style>
+        <p:txBody>
+          <a:bodyPr rtlCol="0" anchor="t"/>
+          <a:lstStyle/>
+          <a:p>
+            <a:r>
+              <a:rPr lang="en-US" altLang="zh-CN" sz="1600" dirty="0"/>
+              <a:t>class Person {</a:t>
+            </a:r>
+            <a:endParaRPr lang="zh-CN" altLang="zh-CN" sz="1600" dirty="0"/>
+          </a:p>
+          <a:p>
+            <a:r>
+              <a:rPr lang="en-US" altLang="zh-CN" sz="1600" dirty="0"/>
+              <a:t>    public Person() </a:t>
+            </a:r>
+            <a:r>
+              <a:rPr lang="en-US" altLang="zh-CN" sz="1600" dirty="0" smtClean="0"/>
+              <a:t>{}</a:t>
+            </a:r>
+            <a:endParaRPr lang="zh-CN" altLang="zh-CN" sz="1600" dirty="0"/>
+          </a:p>
+          <a:p>
+            <a:r>
+              <a:rPr lang="en-US" altLang="zh-CN" sz="1600" dirty="0"/>
+              <a:t>}</a:t>
+            </a:r>
+            <a:endParaRPr lang="zh-CN" altLang="zh-CN" sz="1600" dirty="0"/>
+          </a:p>
+        </p:txBody>
+      </p:sp>
+      <p:sp>
+        <p:nvSpPr>
+          <p:cNvPr id="4" name="矩形 3"/>
+          <p:cNvSpPr/>
+          <p:nvPr/>
+        </p:nvSpPr>
+        <p:spPr>
+          <a:xfrm>
+            <a:off x="6912260" y="2814022"/>
+            <a:ext cx="1800200" cy="861273"/>
+          </a:xfrm>
+          <a:prstGeom prst="rect">
+            <a:avLst/>
+          </a:prstGeom>
+          <a:solidFill>
+            <a:schemeClr val="bg1">
+              <a:lumMod val="65000"/>
+            </a:schemeClr>
+          </a:solidFill>
+          <a:ln>
+            <a:noFill/>
+          </a:ln>
+        </p:spPr>
+        <p:style>
+          <a:lnRef idx="2">
+            <a:schemeClr val="accent1">
+              <a:shade val="50000"/>
+            </a:schemeClr>
+          </a:lnRef>
+          <a:fillRef idx="1">
+            <a:schemeClr val="accent1"/>
+          </a:fillRef>
+          <a:effectRef idx="0">
+            <a:schemeClr val="accent1"/>
+          </a:effectRef>
+          <a:fontRef idx="minor">
+            <a:schemeClr val="lt1"/>
+          </a:fontRef>
+        </p:style>
+        <p:txBody>
+          <a:bodyPr rtlCol="0" anchor="t"/>
+          <a:lstStyle/>
+          <a:p>
+            <a:r>
+              <a:rPr lang="en-US" altLang="zh-CN" sz="1600" dirty="0"/>
+              <a:t>class Tester</a:t>
+            </a:r>
+            <a:r>
+              <a:rPr lang="en-US" altLang="zh-CN" sz="1600" dirty="0" smtClean="0"/>
+              <a:t>{</a:t>
+            </a:r>
+            <a:endParaRPr lang="zh-CN" altLang="zh-CN" sz="1600" dirty="0"/>
+          </a:p>
+          <a:p>
+            <a:r>
+              <a:rPr lang="en-US" altLang="zh-CN" sz="1600" dirty="0"/>
+              <a:t>    public Tester </a:t>
+            </a:r>
+            <a:r>
+              <a:rPr lang="en-US" altLang="zh-CN" sz="1600" dirty="0" smtClean="0"/>
+              <a:t>() {}</a:t>
+            </a:r>
+          </a:p>
+          <a:p>
+            <a:r>
+              <a:rPr lang="en-US" altLang="zh-CN" sz="1600" dirty="0" smtClean="0"/>
+              <a:t>}</a:t>
+            </a:r>
+            <a:endParaRPr lang="zh-CN" altLang="zh-CN" sz="1600" dirty="0"/>
+          </a:p>
+        </p:txBody>
+      </p:sp>
+      <p:sp>
+        <p:nvSpPr>
+          <p:cNvPr id="6" name="矩形 5"/>
+          <p:cNvSpPr/>
+          <p:nvPr/>
+        </p:nvSpPr>
+        <p:spPr>
+          <a:xfrm>
+            <a:off x="4283968" y="2814022"/>
+            <a:ext cx="1800200" cy="861273"/>
+          </a:xfrm>
+          <a:prstGeom prst="rect">
+            <a:avLst/>
+          </a:prstGeom>
+          <a:solidFill>
+            <a:schemeClr val="bg1">
+              <a:lumMod val="65000"/>
+            </a:schemeClr>
+          </a:solidFill>
+          <a:ln>
+            <a:noFill/>
+          </a:ln>
+        </p:spPr>
+        <p:style>
+          <a:lnRef idx="2">
+            <a:schemeClr val="accent1">
+              <a:shade val="50000"/>
+            </a:schemeClr>
+          </a:lnRef>
+          <a:fillRef idx="1">
+            <a:schemeClr val="accent1"/>
+          </a:fillRef>
+          <a:effectRef idx="0">
+            <a:schemeClr val="accent1"/>
+          </a:effectRef>
+          <a:fontRef idx="minor">
+            <a:schemeClr val="lt1"/>
+          </a:fontRef>
+        </p:style>
+        <p:txBody>
+          <a:bodyPr rtlCol="0" anchor="t"/>
+          <a:lstStyle/>
+          <a:p>
+            <a:r>
+              <a:rPr lang="en-US" altLang="zh-CN" sz="1600" dirty="0"/>
+              <a:t>class </a:t>
+            </a:r>
+            <a:r>
+              <a:rPr lang="en-US" altLang="zh-CN" sz="1600" dirty="0" smtClean="0"/>
+              <a:t>User </a:t>
+            </a:r>
+            <a:r>
+              <a:rPr lang="en-US" altLang="zh-CN" sz="1600" dirty="0"/>
+              <a:t>{</a:t>
+            </a:r>
+            <a:endParaRPr lang="zh-CN" altLang="zh-CN" sz="1600" dirty="0"/>
+          </a:p>
+          <a:p>
+            <a:r>
+              <a:rPr lang="en-US" altLang="zh-CN" sz="1600" dirty="0"/>
+              <a:t>    public User () </a:t>
+            </a:r>
+            <a:r>
+              <a:rPr lang="en-US" altLang="zh-CN" sz="1600" dirty="0" smtClean="0"/>
+              <a:t>{}</a:t>
+            </a:r>
+          </a:p>
+          <a:p>
+            <a:r>
+              <a:rPr lang="en-US" altLang="zh-CN" sz="1600" dirty="0" smtClean="0"/>
+              <a:t>}</a:t>
+            </a:r>
+            <a:endParaRPr lang="zh-CN" altLang="zh-CN" sz="1600" dirty="0"/>
+          </a:p>
+        </p:txBody>
+      </p:sp>
+      <p:cxnSp>
+        <p:nvCxnSpPr>
+          <p:cNvPr id="8" name="直接连接符 7"/>
+          <p:cNvCxnSpPr>
+            <a:stCxn id="3" idx="2"/>
+            <a:endCxn id="6" idx="0"/>
+          </p:cNvCxnSpPr>
+          <p:nvPr/>
+        </p:nvCxnSpPr>
+        <p:spPr>
+          <a:xfrm flipH="1">
+            <a:off x="5184068" y="2062584"/>
+            <a:ext cx="1260140" cy="751438"/>
+          </a:xfrm>
+          <a:prstGeom prst="line">
+            <a:avLst/>
+          </a:prstGeom>
+          <a:ln w="19050">
+            <a:solidFill>
+              <a:schemeClr val="tx1">
+                <a:lumMod val="75000"/>
+                <a:lumOff val="25000"/>
+              </a:schemeClr>
+            </a:solidFill>
+            <a:prstDash val="dash"/>
+          </a:ln>
+        </p:spPr>
+        <p:style>
+          <a:lnRef idx="1">
+            <a:schemeClr val="accent1"/>
+          </a:lnRef>
+          <a:fillRef idx="0">
+            <a:schemeClr val="accent1"/>
+          </a:fillRef>
+          <a:effectRef idx="0">
+            <a:schemeClr val="accent1"/>
+          </a:effectRef>
+          <a:fontRef idx="minor">
+            <a:schemeClr val="tx1"/>
+          </a:fontRef>
+        </p:style>
+      </p:cxnSp>
+      <p:cxnSp>
+        <p:nvCxnSpPr>
+          <p:cNvPr id="9" name="直接连接符 8"/>
+          <p:cNvCxnSpPr>
+            <a:stCxn id="3" idx="2"/>
+            <a:endCxn id="4" idx="0"/>
+          </p:cNvCxnSpPr>
+          <p:nvPr/>
+        </p:nvCxnSpPr>
+        <p:spPr>
+          <a:xfrm>
+            <a:off x="6444208" y="2062584"/>
+            <a:ext cx="1368152" cy="751438"/>
+          </a:xfrm>
+          <a:prstGeom prst="line">
+            <a:avLst/>
+          </a:prstGeom>
+          <a:ln w="19050">
+            <a:solidFill>
+              <a:schemeClr val="tx1">
+                <a:lumMod val="75000"/>
+                <a:lumOff val="25000"/>
+              </a:schemeClr>
+            </a:solidFill>
+            <a:prstDash val="dash"/>
+          </a:ln>
+        </p:spPr>
+        <p:style>
+          <a:lnRef idx="1">
+            <a:schemeClr val="accent1"/>
+          </a:lnRef>
+          <a:fillRef idx="0">
+            <a:schemeClr val="accent1"/>
+          </a:fillRef>
+          <a:effectRef idx="0">
+            <a:schemeClr val="accent1"/>
+          </a:effectRef>
+          <a:fontRef idx="minor">
+            <a:schemeClr val="tx1"/>
+          </a:fontRef>
+        </p:style>
+      </p:cxnSp>
+      <p:sp>
+        <p:nvSpPr>
+          <p:cNvPr id="12" name="矩形 11"/>
+          <p:cNvSpPr/>
+          <p:nvPr/>
+        </p:nvSpPr>
+        <p:spPr>
+          <a:xfrm>
+            <a:off x="5045871" y="2272199"/>
+            <a:ext cx="972895" cy="369332"/>
+          </a:xfrm>
+          <a:prstGeom prst="rect">
+            <a:avLst/>
+          </a:prstGeom>
+        </p:spPr>
+        <p:txBody>
+          <a:bodyPr wrap="none">
+            <a:spAutoFit/>
+          </a:bodyPr>
+          <a:lstStyle/>
+          <a:p>
+            <a:r>
+              <a:rPr lang="en-US" altLang="zh-CN" dirty="0"/>
+              <a:t>extends </a:t>
+            </a:r>
+            <a:endParaRPr lang="zh-CN" altLang="en-US" dirty="0"/>
+          </a:p>
+        </p:txBody>
+      </p:sp>
+      <p:sp>
+        <p:nvSpPr>
+          <p:cNvPr id="13" name="矩形 12"/>
+          <p:cNvSpPr/>
+          <p:nvPr/>
+        </p:nvSpPr>
+        <p:spPr>
+          <a:xfrm>
+            <a:off x="6912260" y="2253637"/>
+            <a:ext cx="972895" cy="369332"/>
+          </a:xfrm>
+          <a:prstGeom prst="rect">
+            <a:avLst/>
+          </a:prstGeom>
+        </p:spPr>
+        <p:txBody>
+          <a:bodyPr wrap="none">
+            <a:spAutoFit/>
+          </a:bodyPr>
+          <a:lstStyle/>
+          <a:p>
+            <a:r>
+              <a:rPr lang="en-US" altLang="zh-CN" dirty="0"/>
+              <a:t>extends </a:t>
+            </a:r>
+            <a:endParaRPr lang="zh-CN" altLang="en-US" dirty="0"/>
+          </a:p>
+        </p:txBody>
+      </p:sp>
     </p:spTree>
     <p:extLst>
       <p:ext uri="{BB962C8B-B14F-4D97-AF65-F5344CB8AC3E}">
@@ -9055,6 +9521,250 @@
           <a:chExt cx="0" cy="0"/>
         </a:xfrm>
       </p:grpSpPr>
+      <p:sp>
+        <p:nvSpPr>
+          <p:cNvPr id="2" name="矩形 1"/>
+          <p:cNvSpPr/>
+          <p:nvPr/>
+        </p:nvSpPr>
+        <p:spPr>
+          <a:xfrm>
+            <a:off x="539552" y="548680"/>
+            <a:ext cx="4572000" cy="1754326"/>
+          </a:xfrm>
+          <a:prstGeom prst="rect">
+            <a:avLst/>
+          </a:prstGeom>
+        </p:spPr>
+        <p:txBody>
+          <a:bodyPr>
+            <a:spAutoFit/>
+          </a:bodyPr>
+          <a:lstStyle/>
+          <a:p>
+            <a:r>
+              <a:rPr lang="en-US" altLang="zh-CN" dirty="0"/>
+              <a:t>public class </a:t>
+            </a:r>
+            <a:r>
+              <a:rPr lang="en-US" altLang="zh-CN" dirty="0" err="1"/>
+              <a:t>InstantNoodles</a:t>
+            </a:r>
+            <a:r>
+              <a:rPr lang="en-US" altLang="zh-CN" dirty="0"/>
+              <a:t>{…</a:t>
+            </a:r>
+            <a:endParaRPr lang="zh-CN" altLang="zh-CN" dirty="0"/>
+          </a:p>
+          <a:p>
+            <a:r>
+              <a:rPr lang="en-US" altLang="zh-CN" dirty="0"/>
+              <a:t>}</a:t>
+            </a:r>
+            <a:endParaRPr lang="zh-CN" altLang="zh-CN" dirty="0"/>
+          </a:p>
+          <a:p>
+            <a:r>
+              <a:rPr lang="en-US" altLang="zh-CN" dirty="0"/>
+              <a:t>public class manufacturer{</a:t>
+            </a:r>
+            <a:endParaRPr lang="zh-CN" altLang="zh-CN" dirty="0"/>
+          </a:p>
+          <a:p>
+            <a:r>
+              <a:rPr lang="en-US" altLang="zh-CN" dirty="0"/>
+              <a:t>       private List&lt; </a:t>
+            </a:r>
+            <a:r>
+              <a:rPr lang="en-US" altLang="zh-CN" dirty="0" err="1"/>
+              <a:t>InstantNoodles</a:t>
+            </a:r>
+            <a:r>
+              <a:rPr lang="en-US" altLang="zh-CN" dirty="0"/>
+              <a:t> &gt; </a:t>
+            </a:r>
+            <a:r>
+              <a:rPr lang="en-US" altLang="zh-CN" dirty="0" err="1"/>
+              <a:t>InstantNoodle</a:t>
+            </a:r>
+            <a:r>
+              <a:rPr lang="en-US" altLang="zh-CN" dirty="0"/>
+              <a:t>;</a:t>
+            </a:r>
+            <a:endParaRPr lang="zh-CN" altLang="zh-CN" dirty="0"/>
+          </a:p>
+          <a:p>
+            <a:r>
+              <a:rPr lang="en-US" altLang="zh-CN" dirty="0"/>
+              <a:t>}</a:t>
+            </a:r>
+            <a:endParaRPr lang="zh-CN" altLang="en-US" dirty="0"/>
+          </a:p>
+        </p:txBody>
+      </p:sp>
+      <p:sp>
+        <p:nvSpPr>
+          <p:cNvPr id="3" name="矩形 2"/>
+          <p:cNvSpPr/>
+          <p:nvPr/>
+        </p:nvSpPr>
+        <p:spPr>
+          <a:xfrm>
+            <a:off x="5292080" y="980728"/>
+            <a:ext cx="2808312" cy="2232248"/>
+          </a:xfrm>
+          <a:prstGeom prst="rect">
+            <a:avLst/>
+          </a:prstGeom>
+          <a:solidFill>
+            <a:schemeClr val="bg1">
+              <a:lumMod val="65000"/>
+            </a:schemeClr>
+          </a:solidFill>
+          <a:ln>
+            <a:noFill/>
+          </a:ln>
+        </p:spPr>
+        <p:style>
+          <a:lnRef idx="2">
+            <a:schemeClr val="accent1">
+              <a:shade val="50000"/>
+            </a:schemeClr>
+          </a:lnRef>
+          <a:fillRef idx="1">
+            <a:schemeClr val="accent1"/>
+          </a:fillRef>
+          <a:effectRef idx="0">
+            <a:schemeClr val="accent1"/>
+          </a:effectRef>
+          <a:fontRef idx="minor">
+            <a:schemeClr val="lt1"/>
+          </a:fontRef>
+        </p:style>
+        <p:txBody>
+          <a:bodyPr rtlCol="0" anchor="t"/>
+          <a:lstStyle/>
+          <a:p>
+            <a:r>
+              <a:rPr lang="en-US" altLang="zh-CN" sz="1600" dirty="0"/>
+              <a:t>class </a:t>
+            </a:r>
+            <a:r>
+              <a:rPr lang="en-US" altLang="zh-CN" sz="1600" dirty="0" smtClean="0"/>
+              <a:t>manufacturer{</a:t>
+            </a:r>
+          </a:p>
+          <a:p>
+            <a:r>
+              <a:rPr lang="en-US" altLang="zh-CN" sz="1600" dirty="0"/>
+              <a:t>private List&lt; </a:t>
+            </a:r>
+            <a:r>
+              <a:rPr lang="en-US" altLang="zh-CN" sz="1600" dirty="0" err="1"/>
+              <a:t>InstantNoodles</a:t>
+            </a:r>
+            <a:r>
+              <a:rPr lang="en-US" altLang="zh-CN" sz="1600" dirty="0"/>
+              <a:t> &gt; </a:t>
+            </a:r>
+            <a:r>
+              <a:rPr lang="en-US" altLang="zh-CN" sz="1600" dirty="0" err="1"/>
+              <a:t>InstantNoodle</a:t>
+            </a:r>
+            <a:r>
+              <a:rPr lang="en-US" altLang="zh-CN" sz="1600" dirty="0"/>
+              <a:t>;</a:t>
+            </a:r>
+            <a:endParaRPr lang="en-US" altLang="zh-CN" sz="1600" dirty="0" smtClean="0"/>
+          </a:p>
+          <a:p>
+            <a:endParaRPr lang="en-US" altLang="zh-CN" sz="1600" dirty="0" smtClean="0"/>
+          </a:p>
+          <a:p>
+            <a:endParaRPr lang="en-US" altLang="zh-CN" sz="1600" dirty="0"/>
+          </a:p>
+          <a:p>
+            <a:endParaRPr lang="en-US" altLang="zh-CN" sz="1600" dirty="0" smtClean="0"/>
+          </a:p>
+          <a:p>
+            <a:endParaRPr lang="en-US" altLang="zh-CN" sz="1600" dirty="0"/>
+          </a:p>
+          <a:p>
+            <a:r>
+              <a:rPr lang="en-US" altLang="zh-CN" sz="1600" dirty="0" smtClean="0"/>
+              <a:t>}</a:t>
+            </a:r>
+            <a:endParaRPr lang="zh-CN" altLang="zh-CN" sz="1600" dirty="0"/>
+          </a:p>
+        </p:txBody>
+      </p:sp>
+      <p:sp>
+        <p:nvSpPr>
+          <p:cNvPr id="5" name="矩形 4"/>
+          <p:cNvSpPr/>
+          <p:nvPr/>
+        </p:nvSpPr>
+        <p:spPr>
+          <a:xfrm>
+            <a:off x="5436096" y="1869517"/>
+            <a:ext cx="2520280" cy="866978"/>
+          </a:xfrm>
+          <a:prstGeom prst="rect">
+            <a:avLst/>
+          </a:prstGeom>
+          <a:solidFill>
+            <a:schemeClr val="accent1">
+              <a:lumMod val="60000"/>
+              <a:lumOff val="40000"/>
+            </a:schemeClr>
+          </a:solidFill>
+          <a:ln>
+            <a:noFill/>
+          </a:ln>
+        </p:spPr>
+        <p:style>
+          <a:lnRef idx="2">
+            <a:schemeClr val="accent1">
+              <a:shade val="50000"/>
+            </a:schemeClr>
+          </a:lnRef>
+          <a:fillRef idx="1">
+            <a:schemeClr val="accent1"/>
+          </a:fillRef>
+          <a:effectRef idx="0">
+            <a:schemeClr val="accent1"/>
+          </a:effectRef>
+          <a:fontRef idx="minor">
+            <a:schemeClr val="lt1"/>
+          </a:fontRef>
+        </p:style>
+        <p:txBody>
+          <a:bodyPr rtlCol="0" anchor="t"/>
+          <a:lstStyle/>
+          <a:p>
+            <a:r>
+              <a:rPr lang="en-US" altLang="zh-CN" sz="1600" dirty="0"/>
+              <a:t>public class </a:t>
+            </a:r>
+            <a:r>
+              <a:rPr lang="en-US" altLang="zh-CN" sz="1600" dirty="0" err="1"/>
+              <a:t>InstantNoodles</a:t>
+            </a:r>
+            <a:r>
+              <a:rPr lang="en-US" altLang="zh-CN" sz="1600" dirty="0"/>
+              <a:t>{…</a:t>
+            </a:r>
+            <a:endParaRPr lang="zh-CN" altLang="zh-CN" sz="1600" dirty="0"/>
+          </a:p>
+          <a:p>
+            <a:r>
+              <a:rPr lang="en-US" altLang="zh-CN" sz="1600" dirty="0"/>
+              <a:t>}</a:t>
+            </a:r>
+            <a:endParaRPr lang="zh-CN" altLang="zh-CN" sz="1600" dirty="0"/>
+          </a:p>
+        </p:txBody>
+      </p:sp>
     </p:spTree>
     <p:extLst>
       <p:ext uri="{BB962C8B-B14F-4D97-AF65-F5344CB8AC3E}">

--- a/dbs/数据存储模型.pptx
+++ b/dbs/数据存储模型.pptx
@@ -296,7 +296,7 @@
           <a:p>
             <a:fld id="{530820CF-B880-4189-942D-D702A7CBA730}" type="datetimeFigureOut">
               <a:rPr lang="zh-CN" altLang="en-US" smtClean="0"/>
-              <a:t>2018/5/27</a:t>
+              <a:t>2018/6/4</a:t>
             </a:fld>
             <a:endParaRPr lang="zh-CN" altLang="en-US"/>
           </a:p>
@@ -461,7 +461,7 @@
           <a:p>
             <a:fld id="{530820CF-B880-4189-942D-D702A7CBA730}" type="datetimeFigureOut">
               <a:rPr lang="zh-CN" altLang="en-US" smtClean="0"/>
-              <a:t>2018/5/27</a:t>
+              <a:t>2018/6/4</a:t>
             </a:fld>
             <a:endParaRPr lang="zh-CN" altLang="en-US"/>
           </a:p>
@@ -636,7 +636,7 @@
           <a:p>
             <a:fld id="{530820CF-B880-4189-942D-D702A7CBA730}" type="datetimeFigureOut">
               <a:rPr lang="zh-CN" altLang="en-US" smtClean="0"/>
-              <a:t>2018/5/27</a:t>
+              <a:t>2018/6/4</a:t>
             </a:fld>
             <a:endParaRPr lang="zh-CN" altLang="en-US"/>
           </a:p>
@@ -801,7 +801,7 @@
           <a:p>
             <a:fld id="{530820CF-B880-4189-942D-D702A7CBA730}" type="datetimeFigureOut">
               <a:rPr lang="zh-CN" altLang="en-US" smtClean="0"/>
-              <a:t>2018/5/27</a:t>
+              <a:t>2018/6/4</a:t>
             </a:fld>
             <a:endParaRPr lang="zh-CN" altLang="en-US"/>
           </a:p>
@@ -1042,7 +1042,7 @@
           <a:p>
             <a:fld id="{530820CF-B880-4189-942D-D702A7CBA730}" type="datetimeFigureOut">
               <a:rPr lang="zh-CN" altLang="en-US" smtClean="0"/>
-              <a:t>2018/5/27</a:t>
+              <a:t>2018/6/4</a:t>
             </a:fld>
             <a:endParaRPr lang="zh-CN" altLang="en-US"/>
           </a:p>
@@ -1325,7 +1325,7 @@
           <a:p>
             <a:fld id="{530820CF-B880-4189-942D-D702A7CBA730}" type="datetimeFigureOut">
               <a:rPr lang="zh-CN" altLang="en-US" smtClean="0"/>
-              <a:t>2018/5/27</a:t>
+              <a:t>2018/6/4</a:t>
             </a:fld>
             <a:endParaRPr lang="zh-CN" altLang="en-US"/>
           </a:p>
@@ -1742,7 +1742,7 @@
           <a:p>
             <a:fld id="{530820CF-B880-4189-942D-D702A7CBA730}" type="datetimeFigureOut">
               <a:rPr lang="zh-CN" altLang="en-US" smtClean="0"/>
-              <a:t>2018/5/27</a:t>
+              <a:t>2018/6/4</a:t>
             </a:fld>
             <a:endParaRPr lang="zh-CN" altLang="en-US"/>
           </a:p>
@@ -1855,7 +1855,7 @@
           <a:p>
             <a:fld id="{530820CF-B880-4189-942D-D702A7CBA730}" type="datetimeFigureOut">
               <a:rPr lang="zh-CN" altLang="en-US" smtClean="0"/>
-              <a:t>2018/5/27</a:t>
+              <a:t>2018/6/4</a:t>
             </a:fld>
             <a:endParaRPr lang="zh-CN" altLang="en-US"/>
           </a:p>
@@ -1945,7 +1945,7 @@
           <a:p>
             <a:fld id="{530820CF-B880-4189-942D-D702A7CBA730}" type="datetimeFigureOut">
               <a:rPr lang="zh-CN" altLang="en-US" smtClean="0"/>
-              <a:t>2018/5/27</a:t>
+              <a:t>2018/6/4</a:t>
             </a:fld>
             <a:endParaRPr lang="zh-CN" altLang="en-US"/>
           </a:p>
@@ -2217,7 +2217,7 @@
           <a:p>
             <a:fld id="{530820CF-B880-4189-942D-D702A7CBA730}" type="datetimeFigureOut">
               <a:rPr lang="zh-CN" altLang="en-US" smtClean="0"/>
-              <a:t>2018/5/27</a:t>
+              <a:t>2018/6/4</a:t>
             </a:fld>
             <a:endParaRPr lang="zh-CN" altLang="en-US"/>
           </a:p>
@@ -2465,7 +2465,7 @@
           <a:p>
             <a:fld id="{530820CF-B880-4189-942D-D702A7CBA730}" type="datetimeFigureOut">
               <a:rPr lang="zh-CN" altLang="en-US" smtClean="0"/>
-              <a:t>2018/5/27</a:t>
+              <a:t>2018/6/4</a:t>
             </a:fld>
             <a:endParaRPr lang="zh-CN" altLang="en-US"/>
           </a:p>
@@ -2673,7 +2673,7 @@
           <a:p>
             <a:fld id="{530820CF-B880-4189-942D-D702A7CBA730}" type="datetimeFigureOut">
               <a:rPr lang="zh-CN" altLang="en-US" smtClean="0"/>
-              <a:t>2018/5/27</a:t>
+              <a:t>2018/6/4</a:t>
             </a:fld>
             <a:endParaRPr lang="zh-CN" altLang="en-US"/>
           </a:p>
@@ -3029,16 +3029,6 @@
 <file path=ppt/slides/slide1.xml><?xml version="1.0" encoding="utf-8"?>
 <p:sld xmlns:a="http://schemas.openxmlformats.org/drawingml/2006/main" xmlns:r="http://schemas.openxmlformats.org/officeDocument/2006/relationships" xmlns:p="http://schemas.openxmlformats.org/presentationml/2006/main">
   <p:cSld>
-    <p:bg>
-      <p:bgPr>
-        <a:solidFill>
-          <a:schemeClr val="bg1">
-            <a:lumMod val="95000"/>
-          </a:schemeClr>
-        </a:solidFill>
-        <a:effectLst/>
-      </p:bgPr>
-    </p:bg>
     <p:spTree>
       <p:nvGrpSpPr>
         <p:cNvPr id="1" name=""/>
@@ -6727,9 +6717,8 @@
             <a:avLst/>
           </a:prstGeom>
           <a:solidFill>
-            <a:schemeClr val="accent1">
-              <a:lumMod val="20000"/>
-              <a:lumOff val="80000"/>
+            <a:schemeClr val="bg2">
+              <a:lumMod val="75000"/>
             </a:schemeClr>
           </a:solidFill>
           <a:ln>
@@ -6780,9 +6769,8 @@
             <a:avLst/>
           </a:prstGeom>
           <a:solidFill>
-            <a:schemeClr val="accent1">
-              <a:lumMod val="20000"/>
-              <a:lumOff val="80000"/>
+            <a:schemeClr val="bg2">
+              <a:lumMod val="75000"/>
             </a:schemeClr>
           </a:solidFill>
           <a:ln>
@@ -6833,9 +6821,8 @@
             <a:avLst/>
           </a:prstGeom>
           <a:solidFill>
-            <a:schemeClr val="accent1">
-              <a:lumMod val="20000"/>
-              <a:lumOff val="80000"/>
+            <a:schemeClr val="bg2">
+              <a:lumMod val="75000"/>
             </a:schemeClr>
           </a:solidFill>
           <a:ln>
@@ -6886,9 +6873,8 @@
             <a:avLst/>
           </a:prstGeom>
           <a:solidFill>
-            <a:schemeClr val="accent1">
-              <a:lumMod val="20000"/>
-              <a:lumOff val="80000"/>
+            <a:schemeClr val="bg2">
+              <a:lumMod val="75000"/>
             </a:schemeClr>
           </a:solidFill>
           <a:ln>
@@ -6939,10 +6925,7 @@
             <a:avLst/>
           </a:prstGeom>
           <a:solidFill>
-            <a:schemeClr val="accent2">
-              <a:lumMod val="20000"/>
-              <a:lumOff val="80000"/>
-            </a:schemeClr>
+            <a:srgbClr val="E0A80A"/>
           </a:solidFill>
           <a:ln>
             <a:noFill/>
@@ -6996,10 +6979,7 @@
             <a:avLst/>
           </a:prstGeom>
           <a:solidFill>
-            <a:schemeClr val="accent2">
-              <a:lumMod val="20000"/>
-              <a:lumOff val="80000"/>
-            </a:schemeClr>
+            <a:srgbClr val="E0A80A"/>
           </a:solidFill>
           <a:ln>
             <a:noFill/>
@@ -7053,10 +7033,7 @@
             <a:avLst/>
           </a:prstGeom>
           <a:solidFill>
-            <a:schemeClr val="accent2">
-              <a:lumMod val="20000"/>
-              <a:lumOff val="80000"/>
-            </a:schemeClr>
+            <a:srgbClr val="E0A80A"/>
           </a:solidFill>
           <a:ln>
             <a:noFill/>
@@ -7110,10 +7087,7 @@
             <a:avLst/>
           </a:prstGeom>
           <a:solidFill>
-            <a:schemeClr val="accent2">
-              <a:lumMod val="20000"/>
-              <a:lumOff val="80000"/>
-            </a:schemeClr>
+            <a:srgbClr val="E0A80A"/>
           </a:solidFill>
           <a:ln>
             <a:noFill/>
@@ -7167,10 +7141,7 @@
             <a:avLst/>
           </a:prstGeom>
           <a:solidFill>
-            <a:schemeClr val="accent2">
-              <a:lumMod val="20000"/>
-              <a:lumOff val="80000"/>
-            </a:schemeClr>
+            <a:srgbClr val="E0A80A"/>
           </a:solidFill>
           <a:ln>
             <a:noFill/>

--- a/dbs/数据存储模型.pptx
+++ b/dbs/数据存储模型.pptx
@@ -9766,6 +9766,689 @@
           <a:chExt cx="0" cy="0"/>
         </a:xfrm>
       </p:grpSpPr>
+      <p:sp>
+        <p:nvSpPr>
+          <p:cNvPr id="2" name="矩形 1"/>
+          <p:cNvSpPr/>
+          <p:nvPr/>
+        </p:nvSpPr>
+        <p:spPr>
+          <a:xfrm>
+            <a:off x="802508" y="980728"/>
+            <a:ext cx="2905396" cy="3384376"/>
+          </a:xfrm>
+          <a:prstGeom prst="rect">
+            <a:avLst/>
+          </a:prstGeom>
+          <a:solidFill>
+            <a:schemeClr val="bg1">
+              <a:lumMod val="65000"/>
+            </a:schemeClr>
+          </a:solidFill>
+          <a:ln>
+            <a:noFill/>
+          </a:ln>
+        </p:spPr>
+        <p:style>
+          <a:lnRef idx="2">
+            <a:schemeClr val="accent1">
+              <a:shade val="50000"/>
+            </a:schemeClr>
+          </a:lnRef>
+          <a:fillRef idx="1">
+            <a:schemeClr val="accent1"/>
+          </a:fillRef>
+          <a:effectRef idx="0">
+            <a:schemeClr val="accent1"/>
+          </a:effectRef>
+          <a:fontRef idx="minor">
+            <a:schemeClr val="lt1"/>
+          </a:fontRef>
+        </p:style>
+        <p:txBody>
+          <a:bodyPr rtlCol="0" anchor="t"/>
+          <a:lstStyle/>
+          <a:p>
+            <a:r>
+              <a:rPr lang="en-US" altLang="zh-CN" sz="1600" dirty="0"/>
+              <a:t>class </a:t>
+            </a:r>
+            <a:r>
+              <a:rPr lang="en-US" altLang="zh-CN" sz="1600" dirty="0" smtClean="0"/>
+              <a:t>manufacturer{</a:t>
+            </a:r>
+          </a:p>
+          <a:p>
+            <a:r>
+              <a:rPr lang="en-US" altLang="zh-CN" sz="1600" dirty="0"/>
+              <a:t>private List&lt; </a:t>
+            </a:r>
+            <a:r>
+              <a:rPr lang="en-US" altLang="zh-CN" sz="1600" dirty="0" err="1"/>
+              <a:t>InstantNoodles</a:t>
+            </a:r>
+            <a:r>
+              <a:rPr lang="en-US" altLang="zh-CN" sz="1600" dirty="0"/>
+              <a:t> &gt; </a:t>
+            </a:r>
+            <a:r>
+              <a:rPr lang="en-US" altLang="zh-CN" sz="1600" dirty="0" err="1"/>
+              <a:t>InstantNoodle</a:t>
+            </a:r>
+            <a:r>
+              <a:rPr lang="en-US" altLang="zh-CN" sz="1600" dirty="0"/>
+              <a:t>;</a:t>
+            </a:r>
+            <a:endParaRPr lang="en-US" altLang="zh-CN" sz="1600" dirty="0" smtClean="0"/>
+          </a:p>
+          <a:p>
+            <a:endParaRPr lang="en-US" altLang="zh-CN" sz="1600" dirty="0" smtClean="0"/>
+          </a:p>
+          <a:p>
+            <a:endParaRPr lang="en-US" altLang="zh-CN" sz="1600" dirty="0"/>
+          </a:p>
+          <a:p>
+            <a:endParaRPr lang="en-US" altLang="zh-CN" sz="1600" dirty="0" smtClean="0"/>
+          </a:p>
+          <a:p>
+            <a:endParaRPr lang="en-US" altLang="zh-CN" sz="1600" dirty="0"/>
+          </a:p>
+          <a:p>
+            <a:endParaRPr lang="en-US" altLang="zh-CN" sz="1600" dirty="0" smtClean="0"/>
+          </a:p>
+          <a:p>
+            <a:endParaRPr lang="en-US" altLang="zh-CN" sz="1600" dirty="0"/>
+          </a:p>
+          <a:p>
+            <a:endParaRPr lang="en-US" altLang="zh-CN" sz="1600" dirty="0" smtClean="0"/>
+          </a:p>
+          <a:p>
+            <a:endParaRPr lang="en-US" altLang="zh-CN" sz="1600" dirty="0"/>
+          </a:p>
+          <a:p>
+            <a:endParaRPr lang="en-US" altLang="zh-CN" sz="1600" dirty="0" smtClean="0"/>
+          </a:p>
+          <a:p>
+            <a:r>
+              <a:rPr lang="en-US" altLang="zh-CN" sz="1600" dirty="0" smtClean="0"/>
+              <a:t>}</a:t>
+            </a:r>
+            <a:endParaRPr lang="zh-CN" altLang="zh-CN" sz="1600" dirty="0"/>
+          </a:p>
+        </p:txBody>
+      </p:sp>
+      <p:sp>
+        <p:nvSpPr>
+          <p:cNvPr id="3" name="矩形 2"/>
+          <p:cNvSpPr/>
+          <p:nvPr/>
+        </p:nvSpPr>
+        <p:spPr>
+          <a:xfrm>
+            <a:off x="946524" y="1869517"/>
+            <a:ext cx="2520280" cy="1991532"/>
+          </a:xfrm>
+          <a:prstGeom prst="rect">
+            <a:avLst/>
+          </a:prstGeom>
+          <a:solidFill>
+            <a:schemeClr val="accent1">
+              <a:lumMod val="60000"/>
+              <a:lumOff val="40000"/>
+            </a:schemeClr>
+          </a:solidFill>
+          <a:ln>
+            <a:noFill/>
+          </a:ln>
+        </p:spPr>
+        <p:style>
+          <a:lnRef idx="2">
+            <a:schemeClr val="accent1">
+              <a:shade val="50000"/>
+            </a:schemeClr>
+          </a:lnRef>
+          <a:fillRef idx="1">
+            <a:schemeClr val="accent1"/>
+          </a:fillRef>
+          <a:effectRef idx="0">
+            <a:schemeClr val="accent1"/>
+          </a:effectRef>
+          <a:fontRef idx="minor">
+            <a:schemeClr val="lt1"/>
+          </a:fontRef>
+        </p:style>
+        <p:txBody>
+          <a:bodyPr rtlCol="0" anchor="t"/>
+          <a:lstStyle/>
+          <a:p>
+            <a:r>
+              <a:rPr lang="en-US" altLang="zh-CN" sz="1600" dirty="0"/>
+              <a:t>public class </a:t>
+            </a:r>
+            <a:r>
+              <a:rPr lang="en-US" altLang="zh-CN" sz="1600" dirty="0" err="1" smtClean="0"/>
+              <a:t>InstantNoodles</a:t>
+            </a:r>
+            <a:r>
+              <a:rPr lang="en-US" altLang="zh-CN" sz="1600" dirty="0" smtClean="0"/>
+              <a:t>{</a:t>
+            </a:r>
+          </a:p>
+          <a:p>
+            <a:r>
+              <a:rPr lang="en-US" altLang="zh-CN" sz="1600" dirty="0"/>
+              <a:t>this.id = id;</a:t>
+            </a:r>
+          </a:p>
+          <a:p>
+            <a:r>
+              <a:rPr lang="en-US" altLang="zh-CN" sz="1600" dirty="0" smtClean="0"/>
+              <a:t>this.name </a:t>
+            </a:r>
+            <a:r>
+              <a:rPr lang="en-US" altLang="zh-CN" sz="1600" dirty="0"/>
+              <a:t>= name;</a:t>
+            </a:r>
+          </a:p>
+          <a:p>
+            <a:r>
+              <a:rPr lang="en-US" altLang="zh-CN" sz="1600" dirty="0" err="1" smtClean="0"/>
+              <a:t>this.UserRate</a:t>
+            </a:r>
+            <a:r>
+              <a:rPr lang="en-US" altLang="zh-CN" sz="1600" dirty="0" smtClean="0"/>
+              <a:t> </a:t>
+            </a:r>
+            <a:r>
+              <a:rPr lang="en-US" altLang="zh-CN" sz="1600" dirty="0"/>
+              <a:t>= </a:t>
+            </a:r>
+            <a:r>
+              <a:rPr lang="en-US" altLang="zh-CN" sz="1600" dirty="0" err="1"/>
+              <a:t>UserRate</a:t>
+            </a:r>
+            <a:r>
+              <a:rPr lang="en-US" altLang="zh-CN" sz="1600" dirty="0" smtClean="0"/>
+              <a:t>;</a:t>
+            </a:r>
+            <a:endParaRPr lang="en-US" altLang="zh-CN" sz="1600" dirty="0"/>
+          </a:p>
+          <a:p>
+            <a:r>
+              <a:rPr lang="en-US" altLang="zh-CN" sz="1600" dirty="0" err="1" smtClean="0"/>
+              <a:t>this.TesterRate</a:t>
+            </a:r>
+            <a:r>
+              <a:rPr lang="en-US" altLang="zh-CN" sz="1600" dirty="0" smtClean="0"/>
+              <a:t> </a:t>
+            </a:r>
+            <a:r>
+              <a:rPr lang="en-US" altLang="zh-CN" sz="1600" dirty="0"/>
+              <a:t>= </a:t>
+            </a:r>
+            <a:r>
+              <a:rPr lang="en-US" altLang="zh-CN" sz="1600" dirty="0" err="1"/>
+              <a:t>TesterRate</a:t>
+            </a:r>
+            <a:r>
+              <a:rPr lang="en-US" altLang="zh-CN" sz="1600" dirty="0" smtClean="0"/>
+              <a:t>;</a:t>
+            </a:r>
+            <a:endParaRPr lang="en-US" altLang="zh-CN" sz="1600" dirty="0"/>
+          </a:p>
+          <a:p>
+            <a:r>
+              <a:rPr lang="en-US" altLang="zh-CN" sz="1600" dirty="0" smtClean="0"/>
+              <a:t>……</a:t>
+            </a:r>
+            <a:endParaRPr lang="zh-CN" altLang="zh-CN" sz="1600" dirty="0"/>
+          </a:p>
+          <a:p>
+            <a:r>
+              <a:rPr lang="en-US" altLang="zh-CN" sz="1600" dirty="0"/>
+              <a:t>}</a:t>
+            </a:r>
+            <a:endParaRPr lang="zh-CN" altLang="zh-CN" sz="1600" dirty="0"/>
+          </a:p>
+        </p:txBody>
+      </p:sp>
+      <p:sp>
+        <p:nvSpPr>
+          <p:cNvPr id="4" name="矩形 3"/>
+          <p:cNvSpPr/>
+          <p:nvPr/>
+        </p:nvSpPr>
+        <p:spPr>
+          <a:xfrm>
+            <a:off x="5551387" y="879847"/>
+            <a:ext cx="2078844" cy="692955"/>
+          </a:xfrm>
+          <a:prstGeom prst="rect">
+            <a:avLst/>
+          </a:prstGeom>
+          <a:solidFill>
+            <a:schemeClr val="bg1">
+              <a:lumMod val="65000"/>
+            </a:schemeClr>
+          </a:solidFill>
+          <a:ln>
+            <a:noFill/>
+          </a:ln>
+        </p:spPr>
+        <p:style>
+          <a:lnRef idx="2">
+            <a:schemeClr val="accent1">
+              <a:shade val="50000"/>
+            </a:schemeClr>
+          </a:lnRef>
+          <a:fillRef idx="1">
+            <a:schemeClr val="accent1"/>
+          </a:fillRef>
+          <a:effectRef idx="0">
+            <a:schemeClr val="accent1"/>
+          </a:effectRef>
+          <a:fontRef idx="minor">
+            <a:schemeClr val="lt1"/>
+          </a:fontRef>
+        </p:style>
+        <p:txBody>
+          <a:bodyPr rtlCol="0" anchor="t"/>
+          <a:lstStyle/>
+          <a:p>
+            <a:r>
+              <a:rPr lang="en-US" altLang="zh-CN" sz="1600" dirty="0"/>
+              <a:t>class Person {</a:t>
+            </a:r>
+            <a:endParaRPr lang="zh-CN" altLang="zh-CN" sz="1600" dirty="0"/>
+          </a:p>
+          <a:p>
+            <a:r>
+              <a:rPr lang="en-US" altLang="zh-CN" sz="1600" dirty="0"/>
+              <a:t>    public Person() </a:t>
+            </a:r>
+            <a:r>
+              <a:rPr lang="en-US" altLang="zh-CN" sz="1600" dirty="0" smtClean="0"/>
+              <a:t>{}</a:t>
+            </a:r>
+            <a:endParaRPr lang="zh-CN" altLang="zh-CN" sz="1600" dirty="0"/>
+          </a:p>
+          <a:p>
+            <a:r>
+              <a:rPr lang="en-US" altLang="zh-CN" sz="1600" dirty="0"/>
+              <a:t>}</a:t>
+            </a:r>
+            <a:endParaRPr lang="zh-CN" altLang="zh-CN" sz="1600" dirty="0"/>
+          </a:p>
+        </p:txBody>
+      </p:sp>
+      <p:sp>
+        <p:nvSpPr>
+          <p:cNvPr id="5" name="矩形 4"/>
+          <p:cNvSpPr/>
+          <p:nvPr/>
+        </p:nvSpPr>
+        <p:spPr>
+          <a:xfrm>
+            <a:off x="7041328" y="3039916"/>
+            <a:ext cx="1624097" cy="592021"/>
+          </a:xfrm>
+          <a:prstGeom prst="rect">
+            <a:avLst/>
+          </a:prstGeom>
+          <a:solidFill>
+            <a:schemeClr val="bg1">
+              <a:lumMod val="65000"/>
+            </a:schemeClr>
+          </a:solidFill>
+          <a:ln>
+            <a:noFill/>
+          </a:ln>
+        </p:spPr>
+        <p:style>
+          <a:lnRef idx="2">
+            <a:schemeClr val="accent1">
+              <a:shade val="50000"/>
+            </a:schemeClr>
+          </a:lnRef>
+          <a:fillRef idx="1">
+            <a:schemeClr val="accent1"/>
+          </a:fillRef>
+          <a:effectRef idx="0">
+            <a:schemeClr val="accent1"/>
+          </a:effectRef>
+          <a:fontRef idx="minor">
+            <a:schemeClr val="lt1"/>
+          </a:fontRef>
+        </p:style>
+        <p:txBody>
+          <a:bodyPr rtlCol="0" anchor="t"/>
+          <a:lstStyle/>
+          <a:p>
+            <a:r>
+              <a:rPr lang="en-US" altLang="zh-CN" sz="1600" dirty="0"/>
+              <a:t>class Tester</a:t>
+            </a:r>
+            <a:r>
+              <a:rPr lang="en-US" altLang="zh-CN" sz="1600" dirty="0" smtClean="0"/>
+              <a:t>{</a:t>
+            </a:r>
+            <a:endParaRPr lang="zh-CN" altLang="zh-CN" sz="1600" dirty="0"/>
+          </a:p>
+          <a:p>
+            <a:r>
+              <a:rPr lang="en-US" altLang="zh-CN" sz="1600" dirty="0"/>
+              <a:t>    public Tester </a:t>
+            </a:r>
+            <a:r>
+              <a:rPr lang="en-US" altLang="zh-CN" sz="1600" dirty="0" smtClean="0"/>
+              <a:t>() {}</a:t>
+            </a:r>
+          </a:p>
+          <a:p>
+            <a:r>
+              <a:rPr lang="en-US" altLang="zh-CN" sz="1600" dirty="0" smtClean="0"/>
+              <a:t>}</a:t>
+            </a:r>
+            <a:endParaRPr lang="zh-CN" altLang="zh-CN" sz="1600" dirty="0"/>
+          </a:p>
+        </p:txBody>
+      </p:sp>
+      <p:sp>
+        <p:nvSpPr>
+          <p:cNvPr id="6" name="矩形 5"/>
+          <p:cNvSpPr/>
+          <p:nvPr/>
+        </p:nvSpPr>
+        <p:spPr>
+          <a:xfrm>
+            <a:off x="4493965" y="2639397"/>
+            <a:ext cx="1624097" cy="592021"/>
+          </a:xfrm>
+          <a:prstGeom prst="rect">
+            <a:avLst/>
+          </a:prstGeom>
+          <a:solidFill>
+            <a:schemeClr val="bg1">
+              <a:lumMod val="65000"/>
+            </a:schemeClr>
+          </a:solidFill>
+          <a:ln>
+            <a:noFill/>
+          </a:ln>
+        </p:spPr>
+        <p:style>
+          <a:lnRef idx="2">
+            <a:schemeClr val="accent1">
+              <a:shade val="50000"/>
+            </a:schemeClr>
+          </a:lnRef>
+          <a:fillRef idx="1">
+            <a:schemeClr val="accent1"/>
+          </a:fillRef>
+          <a:effectRef idx="0">
+            <a:schemeClr val="accent1"/>
+          </a:effectRef>
+          <a:fontRef idx="minor">
+            <a:schemeClr val="lt1"/>
+          </a:fontRef>
+        </p:style>
+        <p:txBody>
+          <a:bodyPr rtlCol="0" anchor="t"/>
+          <a:lstStyle/>
+          <a:p>
+            <a:r>
+              <a:rPr lang="en-US" altLang="zh-CN" sz="1600" dirty="0"/>
+              <a:t>class </a:t>
+            </a:r>
+            <a:r>
+              <a:rPr lang="en-US" altLang="zh-CN" sz="1600" dirty="0" smtClean="0"/>
+              <a:t>User </a:t>
+            </a:r>
+            <a:r>
+              <a:rPr lang="en-US" altLang="zh-CN" sz="1600" dirty="0"/>
+              <a:t>{</a:t>
+            </a:r>
+            <a:endParaRPr lang="zh-CN" altLang="zh-CN" sz="1600" dirty="0"/>
+          </a:p>
+          <a:p>
+            <a:r>
+              <a:rPr lang="en-US" altLang="zh-CN" sz="1600" dirty="0"/>
+              <a:t>    public User () </a:t>
+            </a:r>
+            <a:r>
+              <a:rPr lang="en-US" altLang="zh-CN" sz="1600" dirty="0" smtClean="0"/>
+              <a:t>{}</a:t>
+            </a:r>
+          </a:p>
+          <a:p>
+            <a:r>
+              <a:rPr lang="en-US" altLang="zh-CN" sz="1600" dirty="0" smtClean="0"/>
+              <a:t>}</a:t>
+            </a:r>
+            <a:endParaRPr lang="zh-CN" altLang="zh-CN" sz="1600" dirty="0"/>
+          </a:p>
+        </p:txBody>
+      </p:sp>
+      <p:cxnSp>
+        <p:nvCxnSpPr>
+          <p:cNvPr id="7" name="直接连接符 6"/>
+          <p:cNvCxnSpPr>
+            <a:stCxn id="4" idx="2"/>
+            <a:endCxn id="6" idx="0"/>
+          </p:cNvCxnSpPr>
+          <p:nvPr/>
+        </p:nvCxnSpPr>
+        <p:spPr>
+          <a:xfrm flipH="1">
+            <a:off x="5306014" y="1572802"/>
+            <a:ext cx="1284795" cy="1066595"/>
+          </a:xfrm>
+          <a:prstGeom prst="line">
+            <a:avLst/>
+          </a:prstGeom>
+          <a:ln w="19050">
+            <a:solidFill>
+              <a:schemeClr val="tx1">
+                <a:lumMod val="75000"/>
+                <a:lumOff val="25000"/>
+              </a:schemeClr>
+            </a:solidFill>
+            <a:prstDash val="dash"/>
+          </a:ln>
+        </p:spPr>
+        <p:style>
+          <a:lnRef idx="1">
+            <a:schemeClr val="accent1"/>
+          </a:lnRef>
+          <a:fillRef idx="0">
+            <a:schemeClr val="accent1"/>
+          </a:fillRef>
+          <a:effectRef idx="0">
+            <a:schemeClr val="accent1"/>
+          </a:effectRef>
+          <a:fontRef idx="minor">
+            <a:schemeClr val="tx1"/>
+          </a:fontRef>
+        </p:style>
+      </p:cxnSp>
+      <p:cxnSp>
+        <p:nvCxnSpPr>
+          <p:cNvPr id="8" name="直接连接符 7"/>
+          <p:cNvCxnSpPr>
+            <a:stCxn id="4" idx="2"/>
+            <a:endCxn id="5" idx="0"/>
+          </p:cNvCxnSpPr>
+          <p:nvPr/>
+        </p:nvCxnSpPr>
+        <p:spPr>
+          <a:xfrm>
+            <a:off x="6590809" y="1572802"/>
+            <a:ext cx="1262568" cy="1467114"/>
+          </a:xfrm>
+          <a:prstGeom prst="line">
+            <a:avLst/>
+          </a:prstGeom>
+          <a:ln w="19050">
+            <a:solidFill>
+              <a:schemeClr val="tx1">
+                <a:lumMod val="75000"/>
+                <a:lumOff val="25000"/>
+              </a:schemeClr>
+            </a:solidFill>
+            <a:prstDash val="dash"/>
+          </a:ln>
+        </p:spPr>
+        <p:style>
+          <a:lnRef idx="1">
+            <a:schemeClr val="accent1"/>
+          </a:lnRef>
+          <a:fillRef idx="0">
+            <a:schemeClr val="accent1"/>
+          </a:fillRef>
+          <a:effectRef idx="0">
+            <a:schemeClr val="accent1"/>
+          </a:effectRef>
+          <a:fontRef idx="minor">
+            <a:schemeClr val="tx1"/>
+          </a:fontRef>
+        </p:style>
+      </p:cxnSp>
+      <p:sp>
+        <p:nvSpPr>
+          <p:cNvPr id="9" name="矩形 8"/>
+          <p:cNvSpPr/>
+          <p:nvPr/>
+        </p:nvSpPr>
+        <p:spPr>
+          <a:xfrm>
+            <a:off x="5174938" y="2097574"/>
+            <a:ext cx="1197261" cy="369332"/>
+          </a:xfrm>
+          <a:prstGeom prst="rect">
+            <a:avLst/>
+          </a:prstGeom>
+        </p:spPr>
+        <p:txBody>
+          <a:bodyPr wrap="square">
+            <a:spAutoFit/>
+          </a:bodyPr>
+          <a:lstStyle/>
+          <a:p>
+            <a:r>
+              <a:rPr lang="en-US" altLang="zh-CN" dirty="0"/>
+              <a:t>extends </a:t>
+            </a:r>
+            <a:endParaRPr lang="zh-CN" altLang="en-US" dirty="0"/>
+          </a:p>
+        </p:txBody>
+      </p:sp>
+      <p:sp>
+        <p:nvSpPr>
+          <p:cNvPr id="10" name="矩形 9"/>
+          <p:cNvSpPr/>
+          <p:nvPr/>
+        </p:nvSpPr>
+        <p:spPr>
+          <a:xfrm>
+            <a:off x="7041328" y="2079012"/>
+            <a:ext cx="1131072" cy="369332"/>
+          </a:xfrm>
+          <a:prstGeom prst="rect">
+            <a:avLst/>
+          </a:prstGeom>
+        </p:spPr>
+        <p:txBody>
+          <a:bodyPr wrap="square">
+            <a:spAutoFit/>
+          </a:bodyPr>
+          <a:lstStyle/>
+          <a:p>
+            <a:r>
+              <a:rPr lang="en-US" altLang="zh-CN" dirty="0"/>
+              <a:t>extends </a:t>
+            </a:r>
+            <a:endParaRPr lang="zh-CN" altLang="en-US" dirty="0"/>
+          </a:p>
+        </p:txBody>
+      </p:sp>
+      <p:cxnSp>
+        <p:nvCxnSpPr>
+          <p:cNvPr id="12" name="直接箭头连接符 11"/>
+          <p:cNvCxnSpPr>
+            <a:stCxn id="6" idx="1"/>
+          </p:cNvCxnSpPr>
+          <p:nvPr/>
+        </p:nvCxnSpPr>
+        <p:spPr>
+          <a:xfrm flipH="1" flipV="1">
+            <a:off x="3203848" y="2743905"/>
+            <a:ext cx="1290117" cy="191503"/>
+          </a:xfrm>
+          <a:prstGeom prst="straightConnector1">
+            <a:avLst/>
+          </a:prstGeom>
+          <a:ln w="19050">
+            <a:solidFill>
+              <a:schemeClr val="tx1"/>
+            </a:solidFill>
+            <a:prstDash val="dash"/>
+            <a:tailEnd type="arrow"/>
+          </a:ln>
+        </p:spPr>
+        <p:style>
+          <a:lnRef idx="1">
+            <a:schemeClr val="accent1"/>
+          </a:lnRef>
+          <a:fillRef idx="0">
+            <a:schemeClr val="accent1"/>
+          </a:fillRef>
+          <a:effectRef idx="0">
+            <a:schemeClr val="accent1"/>
+          </a:effectRef>
+          <a:fontRef idx="minor">
+            <a:schemeClr val="tx1"/>
+          </a:fontRef>
+        </p:style>
+      </p:cxnSp>
+      <p:cxnSp>
+        <p:nvCxnSpPr>
+          <p:cNvPr id="13" name="直接箭头连接符 12"/>
+          <p:cNvCxnSpPr>
+            <a:stCxn id="5" idx="2"/>
+          </p:cNvCxnSpPr>
+          <p:nvPr/>
+        </p:nvCxnSpPr>
+        <p:spPr>
+          <a:xfrm flipH="1" flipV="1">
+            <a:off x="3266936" y="3231418"/>
+            <a:ext cx="4586441" cy="400519"/>
+          </a:xfrm>
+          <a:prstGeom prst="straightConnector1">
+            <a:avLst/>
+          </a:prstGeom>
+          <a:ln w="19050">
+            <a:solidFill>
+              <a:schemeClr val="tx1"/>
+            </a:solidFill>
+            <a:prstDash val="dash"/>
+            <a:tailEnd type="arrow"/>
+          </a:ln>
+        </p:spPr>
+        <p:style>
+          <a:lnRef idx="1">
+            <a:schemeClr val="accent1"/>
+          </a:lnRef>
+          <a:fillRef idx="0">
+            <a:schemeClr val="accent1"/>
+          </a:fillRef>
+          <a:effectRef idx="0">
+            <a:schemeClr val="accent1"/>
+          </a:effectRef>
+          <a:fontRef idx="minor">
+            <a:schemeClr val="tx1"/>
+          </a:fontRef>
+        </p:style>
+      </p:cxnSp>
     </p:spTree>
     <p:extLst>
       <p:ext uri="{BB962C8B-B14F-4D97-AF65-F5344CB8AC3E}">
